--- a/slides/Slides_tidydata.pptx
+++ b/slides/Slides_tidydata.pptx
@@ -3530,7 +3530,9 @@
           <p:nvPr/>
         </p:nvPicPr>
         <p:blipFill>
-          <a:blip r:embed="rId3"/>
+          <a:blip r:embed="rId3">
+            <a:alphaModFix amt="40000"/>
+          </a:blip>
           <a:stretch>
             <a:fillRect/>
           </a:stretch>
@@ -3543,6 +3545,11 @@
           <a:prstGeom prst="rect">
             <a:avLst/>
           </a:prstGeom>
+          <a:solidFill>
+            <a:schemeClr val="bg1">
+              <a:alpha val="36000"/>
+            </a:schemeClr>
+          </a:solidFill>
         </p:spPr>
       </p:pic>
       <p:pic>
@@ -3560,7 +3567,9 @@
           <p:nvPr/>
         </p:nvPicPr>
         <p:blipFill>
-          <a:blip r:embed="rId4"/>
+          <a:blip r:embed="rId4">
+            <a:alphaModFix amt="40000"/>
+          </a:blip>
           <a:stretch>
             <a:fillRect/>
           </a:stretch>
@@ -3573,6 +3582,11 @@
           <a:prstGeom prst="rect">
             <a:avLst/>
           </a:prstGeom>
+          <a:solidFill>
+            <a:schemeClr val="bg1">
+              <a:alpha val="36000"/>
+            </a:schemeClr>
+          </a:solidFill>
         </p:spPr>
       </p:pic>
       <p:pic>
@@ -3590,7 +3604,9 @@
           <p:nvPr/>
         </p:nvPicPr>
         <p:blipFill>
-          <a:blip r:embed="rId5"/>
+          <a:blip r:embed="rId5">
+            <a:alphaModFix amt="40000"/>
+          </a:blip>
           <a:stretch>
             <a:fillRect/>
           </a:stretch>
@@ -3603,6 +3619,11 @@
           <a:prstGeom prst="rect">
             <a:avLst/>
           </a:prstGeom>
+          <a:solidFill>
+            <a:schemeClr val="bg1">
+              <a:alpha val="36000"/>
+            </a:schemeClr>
+          </a:solidFill>
         </p:spPr>
       </p:pic>
       <p:pic>
@@ -3894,7 +3915,9 @@
           <p:nvPr/>
         </p:nvPicPr>
         <p:blipFill>
-          <a:blip r:embed="rId8"/>
+          <a:blip r:embed="rId8">
+            <a:alphaModFix amt="40000"/>
+          </a:blip>
           <a:stretch>
             <a:fillRect/>
           </a:stretch>
@@ -3907,6 +3930,11 @@
           <a:prstGeom prst="rect">
             <a:avLst/>
           </a:prstGeom>
+          <a:solidFill>
+            <a:schemeClr val="bg1">
+              <a:alpha val="36000"/>
+            </a:schemeClr>
+          </a:solidFill>
         </p:spPr>
       </p:pic>
     </p:spTree>

--- a/slides/Slides_tidydata.pptx
+++ b/slides/Slides_tidydata.pptx
@@ -8,6 +8,7 @@
     <p:sldId id="256" r:id="rId2"/>
     <p:sldId id="257" r:id="rId3"/>
     <p:sldId id="259" r:id="rId4"/>
+    <p:sldId id="260" r:id="rId5"/>
   </p:sldIdLst>
   <p:sldSz cx="9144000" cy="5143500" type="screen16x9"/>
   <p:notesSz cx="6858000" cy="9144000"/>
@@ -3941,6 +3942,92 @@
     <p:extLst>
       <p:ext uri="{BB962C8B-B14F-4D97-AF65-F5344CB8AC3E}">
         <p14:creationId xmlns:p14="http://schemas.microsoft.com/office/powerpoint/2010/main" val="568893023"/>
+      </p:ext>
+    </p:extLst>
+  </p:cSld>
+  <p:clrMapOvr>
+    <a:masterClrMapping/>
+  </p:clrMapOvr>
+</p:sld>
+</file>
+
+<file path=ppt/slides/slide4.xml><?xml version="1.0" encoding="utf-8"?>
+<p:sld xmlns:a="http://schemas.openxmlformats.org/drawingml/2006/main" xmlns:r="http://schemas.openxmlformats.org/officeDocument/2006/relationships" xmlns:p="http://schemas.openxmlformats.org/presentationml/2006/main">
+  <p:cSld>
+    <p:spTree>
+      <p:nvGrpSpPr>
+        <p:cNvPr id="1" name=""/>
+        <p:cNvGrpSpPr/>
+        <p:nvPr/>
+      </p:nvGrpSpPr>
+      <p:grpSpPr>
+        <a:xfrm>
+          <a:off x="0" y="0"/>
+          <a:ext cx="0" cy="0"/>
+          <a:chOff x="0" y="0"/>
+          <a:chExt cx="0" cy="0"/>
+        </a:xfrm>
+      </p:grpSpPr>
+      <p:sp>
+        <p:nvSpPr>
+          <p:cNvPr id="2" name="Title 1">
+            <a:extLst>
+              <a:ext uri="{FF2B5EF4-FFF2-40B4-BE49-F238E27FC236}">
+                <a16:creationId xmlns:a16="http://schemas.microsoft.com/office/drawing/2014/main" id="{76116AF2-2DDB-C441-89ED-FE02AF9A90A8}"/>
+              </a:ext>
+            </a:extLst>
+          </p:cNvPr>
+          <p:cNvSpPr>
+            <a:spLocks noGrp="1"/>
+          </p:cNvSpPr>
+          <p:nvPr>
+            <p:ph type="title"/>
+          </p:nvPr>
+        </p:nvSpPr>
+        <p:spPr/>
+        <p:txBody>
+          <a:bodyPr/>
+          <a:lstStyle/>
+          <a:p>
+            <a:r>
+              <a:rPr lang="en-US" dirty="0"/>
+              <a:t>Exercise</a:t>
+            </a:r>
+          </a:p>
+        </p:txBody>
+      </p:sp>
+      <p:sp>
+        <p:nvSpPr>
+          <p:cNvPr id="3" name="Content Placeholder 2">
+            <a:extLst>
+              <a:ext uri="{FF2B5EF4-FFF2-40B4-BE49-F238E27FC236}">
+                <a16:creationId xmlns:a16="http://schemas.microsoft.com/office/drawing/2014/main" id="{A0FBD0C5-9181-5E40-A87E-E6BEEAA40DD1}"/>
+              </a:ext>
+            </a:extLst>
+          </p:cNvPr>
+          <p:cNvSpPr>
+            <a:spLocks noGrp="1"/>
+          </p:cNvSpPr>
+          <p:nvPr>
+            <p:ph idx="1"/>
+          </p:nvPr>
+        </p:nvSpPr>
+        <p:spPr/>
+        <p:txBody>
+          <a:bodyPr/>
+          <a:lstStyle/>
+          <a:p>
+            <a:r>
+              <a:rPr lang="en-US" dirty="0"/>
+              <a:t>Convert the coronavirus dataset to a wider format where the confirmed cases, deaths and recovered cases are shown in separate columns</a:t>
+            </a:r>
+          </a:p>
+        </p:txBody>
+      </p:sp>
+    </p:spTree>
+    <p:extLst>
+      <p:ext uri="{BB962C8B-B14F-4D97-AF65-F5344CB8AC3E}">
+        <p14:creationId xmlns:p14="http://schemas.microsoft.com/office/powerpoint/2010/main" val="2924473965"/>
       </p:ext>
     </p:extLst>
   </p:cSld>

--- a/slides/Slides_tidydata.pptx
+++ b/slides/Slides_tidydata.pptx
@@ -8,7 +8,11 @@
     <p:sldId id="256" r:id="rId2"/>
     <p:sldId id="257" r:id="rId3"/>
     <p:sldId id="259" r:id="rId4"/>
-    <p:sldId id="260" r:id="rId5"/>
+    <p:sldId id="261" r:id="rId5"/>
+    <p:sldId id="262" r:id="rId6"/>
+    <p:sldId id="264" r:id="rId7"/>
+    <p:sldId id="266" r:id="rId8"/>
+    <p:sldId id="260" r:id="rId9"/>
   </p:sldIdLst>
   <p:sldSz cx="9144000" cy="5143500" type="screen16x9"/>
   <p:notesSz cx="6858000" cy="9144000"/>
@@ -107,6 +111,11 @@
       </a:defRPr>
     </a:lvl9pPr>
   </p:defaultTextStyle>
+  <p:extLst>
+    <p:ext uri="{EFAFB233-063F-42B5-8137-9DF3F51BA10A}">
+      <p15:sldGuideLst xmlns:p15="http://schemas.microsoft.com/office/powerpoint/2012/main"/>
+    </p:ext>
+  </p:extLst>
 </p:presentation>
 </file>
 
@@ -289,7 +298,7 @@
           <a:p>
             <a:fld id="{BAB96B47-EBE1-7147-975B-DE61DA6681A3}" type="datetimeFigureOut">
               <a:rPr lang="en-US" smtClean="0"/>
-              <a:t>3/15/21</a:t>
+              <a:t>2/23/22</a:t>
             </a:fld>
             <a:endParaRPr lang="en-US"/>
           </a:p>
@@ -457,7 +466,7 @@
           <a:p>
             <a:fld id="{BAB96B47-EBE1-7147-975B-DE61DA6681A3}" type="datetimeFigureOut">
               <a:rPr lang="en-US" smtClean="0"/>
-              <a:t>3/15/21</a:t>
+              <a:t>2/23/22</a:t>
             </a:fld>
             <a:endParaRPr lang="en-US"/>
           </a:p>
@@ -635,7 +644,7 @@
           <a:p>
             <a:fld id="{BAB96B47-EBE1-7147-975B-DE61DA6681A3}" type="datetimeFigureOut">
               <a:rPr lang="en-US" smtClean="0"/>
-              <a:t>3/15/21</a:t>
+              <a:t>2/23/22</a:t>
             </a:fld>
             <a:endParaRPr lang="en-US"/>
           </a:p>
@@ -803,7 +812,7 @@
           <a:p>
             <a:fld id="{BAB96B47-EBE1-7147-975B-DE61DA6681A3}" type="datetimeFigureOut">
               <a:rPr lang="en-US" smtClean="0"/>
-              <a:t>3/15/21</a:t>
+              <a:t>2/23/22</a:t>
             </a:fld>
             <a:endParaRPr lang="en-US"/>
           </a:p>
@@ -1048,7 +1057,7 @@
           <a:p>
             <a:fld id="{BAB96B47-EBE1-7147-975B-DE61DA6681A3}" type="datetimeFigureOut">
               <a:rPr lang="en-US" smtClean="0"/>
-              <a:t>3/15/21</a:t>
+              <a:t>2/23/22</a:t>
             </a:fld>
             <a:endParaRPr lang="en-US"/>
           </a:p>
@@ -1333,7 +1342,7 @@
           <a:p>
             <a:fld id="{BAB96B47-EBE1-7147-975B-DE61DA6681A3}" type="datetimeFigureOut">
               <a:rPr lang="en-US" smtClean="0"/>
-              <a:t>3/15/21</a:t>
+              <a:t>2/23/22</a:t>
             </a:fld>
             <a:endParaRPr lang="en-US"/>
           </a:p>
@@ -1752,7 +1761,7 @@
           <a:p>
             <a:fld id="{BAB96B47-EBE1-7147-975B-DE61DA6681A3}" type="datetimeFigureOut">
               <a:rPr lang="en-US" smtClean="0"/>
-              <a:t>3/15/21</a:t>
+              <a:t>2/23/22</a:t>
             </a:fld>
             <a:endParaRPr lang="en-US"/>
           </a:p>
@@ -1869,7 +1878,7 @@
           <a:p>
             <a:fld id="{BAB96B47-EBE1-7147-975B-DE61DA6681A3}" type="datetimeFigureOut">
               <a:rPr lang="en-US" smtClean="0"/>
-              <a:t>3/15/21</a:t>
+              <a:t>2/23/22</a:t>
             </a:fld>
             <a:endParaRPr lang="en-US"/>
           </a:p>
@@ -1964,7 +1973,7 @@
           <a:p>
             <a:fld id="{BAB96B47-EBE1-7147-975B-DE61DA6681A3}" type="datetimeFigureOut">
               <a:rPr lang="en-US" smtClean="0"/>
-              <a:t>3/15/21</a:t>
+              <a:t>2/23/22</a:t>
             </a:fld>
             <a:endParaRPr lang="en-US"/>
           </a:p>
@@ -2239,7 +2248,7 @@
           <a:p>
             <a:fld id="{BAB96B47-EBE1-7147-975B-DE61DA6681A3}" type="datetimeFigureOut">
               <a:rPr lang="en-US" smtClean="0"/>
-              <a:t>3/15/21</a:t>
+              <a:t>2/23/22</a:t>
             </a:fld>
             <a:endParaRPr lang="en-US"/>
           </a:p>
@@ -2494,7 +2503,7 @@
           <a:p>
             <a:fld id="{BAB96B47-EBE1-7147-975B-DE61DA6681A3}" type="datetimeFigureOut">
               <a:rPr lang="en-US" smtClean="0"/>
-              <a:t>3/15/21</a:t>
+              <a:t>2/23/22</a:t>
             </a:fld>
             <a:endParaRPr lang="en-US"/>
           </a:p>
@@ -2708,7 +2717,7 @@
             <a:fld id="{BAB96B47-EBE1-7147-975B-DE61DA6681A3}" type="datetimeFigureOut">
               <a:rPr lang="en-US" smtClean="0"/>
               <a:pPr/>
-              <a:t>3/15/21</a:t>
+              <a:t>2/23/22</a:t>
             </a:fld>
             <a:endParaRPr lang="en-US"/>
           </a:p>
@@ -3973,6 +3982,752 @@
           <p:cNvPr id="2" name="Title 1">
             <a:extLst>
               <a:ext uri="{FF2B5EF4-FFF2-40B4-BE49-F238E27FC236}">
+                <a16:creationId xmlns:a16="http://schemas.microsoft.com/office/drawing/2014/main" id="{3D737F29-1434-A94E-AF9F-1E4BFAF695E4}"/>
+              </a:ext>
+            </a:extLst>
+          </p:cNvPr>
+          <p:cNvSpPr>
+            <a:spLocks noGrp="1"/>
+          </p:cNvSpPr>
+          <p:nvPr>
+            <p:ph type="title"/>
+          </p:nvPr>
+        </p:nvSpPr>
+        <p:spPr/>
+        <p:txBody>
+          <a:bodyPr/>
+          <a:lstStyle/>
+          <a:p>
+            <a:pPr algn="l"/>
+            <a:r>
+              <a:rPr lang="en-US" dirty="0"/>
+              <a:t>Exercise</a:t>
+            </a:r>
+          </a:p>
+        </p:txBody>
+      </p:sp>
+      <p:sp>
+        <p:nvSpPr>
+          <p:cNvPr id="3" name="Content Placeholder 2">
+            <a:extLst>
+              <a:ext uri="{FF2B5EF4-FFF2-40B4-BE49-F238E27FC236}">
+                <a16:creationId xmlns:a16="http://schemas.microsoft.com/office/drawing/2014/main" id="{DF649E41-A343-6643-B36A-3474BC20CFBB}"/>
+              </a:ext>
+            </a:extLst>
+          </p:cNvPr>
+          <p:cNvSpPr>
+            <a:spLocks noGrp="1"/>
+          </p:cNvSpPr>
+          <p:nvPr>
+            <p:ph idx="1"/>
+          </p:nvPr>
+        </p:nvSpPr>
+        <p:spPr>
+          <a:xfrm>
+            <a:off x="457200" y="1200151"/>
+            <a:ext cx="8229600" cy="3737370"/>
+          </a:xfrm>
+        </p:spPr>
+        <p:txBody>
+          <a:bodyPr>
+            <a:normAutofit fontScale="92500" lnSpcReduction="10000"/>
+          </a:bodyPr>
+          <a:lstStyle/>
+          <a:p>
+            <a:pPr marL="0" indent="0">
+              <a:buNone/>
+            </a:pPr>
+            <a:r>
+              <a:rPr lang="en-US" dirty="0"/>
+              <a:t>Compute the rate for table2, and table4a + table4b. You will need to perform four operations:</a:t>
+            </a:r>
+            <a:br>
+              <a:rPr lang="en-US" dirty="0"/>
+            </a:br>
+            <a:endParaRPr lang="en-US" dirty="0"/>
+          </a:p>
+          <a:p>
+            <a:pPr lvl="2"/>
+            <a:r>
+              <a:rPr lang="en-US" dirty="0"/>
+              <a:t>Extract the number of TB cases per country per year.</a:t>
+            </a:r>
+          </a:p>
+          <a:p>
+            <a:pPr lvl="2"/>
+            <a:r>
+              <a:rPr lang="en-US" dirty="0"/>
+              <a:t>Extract the matching population per country per year.</a:t>
+            </a:r>
+          </a:p>
+          <a:p>
+            <a:pPr lvl="2"/>
+            <a:r>
+              <a:rPr lang="en-US" dirty="0"/>
+              <a:t>Divide cases by population, and multiply by 10000.</a:t>
+            </a:r>
+          </a:p>
+          <a:p>
+            <a:pPr lvl="2"/>
+            <a:r>
+              <a:rPr lang="en-US" dirty="0"/>
+              <a:t>Store back in the appropriate place.</a:t>
+            </a:r>
+          </a:p>
+          <a:p>
+            <a:pPr marL="0" indent="0">
+              <a:buNone/>
+            </a:pPr>
+            <a:endParaRPr lang="en-US" dirty="0"/>
+          </a:p>
+          <a:p>
+            <a:pPr marL="0" indent="0">
+              <a:buNone/>
+            </a:pPr>
+            <a:endParaRPr lang="en-US" dirty="0"/>
+          </a:p>
+          <a:p>
+            <a:pPr marL="0" indent="0">
+              <a:buNone/>
+            </a:pPr>
+            <a:r>
+              <a:rPr lang="en-US" dirty="0"/>
+              <a:t>Which representation is easiest to work with? Which is hardest? Why?</a:t>
+            </a:r>
+          </a:p>
+          <a:p>
+            <a:endParaRPr lang="en-US" dirty="0"/>
+          </a:p>
+        </p:txBody>
+      </p:sp>
+    </p:spTree>
+    <p:extLst>
+      <p:ext uri="{BB962C8B-B14F-4D97-AF65-F5344CB8AC3E}">
+        <p14:creationId xmlns:p14="http://schemas.microsoft.com/office/powerpoint/2010/main" val="1630198220"/>
+      </p:ext>
+    </p:extLst>
+  </p:cSld>
+  <p:clrMapOvr>
+    <a:masterClrMapping/>
+  </p:clrMapOvr>
+</p:sld>
+</file>
+
+<file path=ppt/slides/slide5.xml><?xml version="1.0" encoding="utf-8"?>
+<p:sld xmlns:a="http://schemas.openxmlformats.org/drawingml/2006/main" xmlns:r="http://schemas.openxmlformats.org/officeDocument/2006/relationships" xmlns:p="http://schemas.openxmlformats.org/presentationml/2006/main">
+  <p:cSld>
+    <p:spTree>
+      <p:nvGrpSpPr>
+        <p:cNvPr id="1" name=""/>
+        <p:cNvGrpSpPr/>
+        <p:nvPr/>
+      </p:nvGrpSpPr>
+      <p:grpSpPr>
+        <a:xfrm>
+          <a:off x="0" y="0"/>
+          <a:ext cx="0" cy="0"/>
+          <a:chOff x="0" y="0"/>
+          <a:chExt cx="0" cy="0"/>
+        </a:xfrm>
+      </p:grpSpPr>
+      <p:sp>
+        <p:nvSpPr>
+          <p:cNvPr id="2" name="Title 1">
+            <a:extLst>
+              <a:ext uri="{FF2B5EF4-FFF2-40B4-BE49-F238E27FC236}">
+                <a16:creationId xmlns:a16="http://schemas.microsoft.com/office/drawing/2014/main" id="{8AFDD491-0015-C04A-B78B-04AB3ACB2BE1}"/>
+              </a:ext>
+            </a:extLst>
+          </p:cNvPr>
+          <p:cNvSpPr>
+            <a:spLocks noGrp="1"/>
+          </p:cNvSpPr>
+          <p:nvPr>
+            <p:ph type="title"/>
+          </p:nvPr>
+        </p:nvSpPr>
+        <p:spPr/>
+        <p:txBody>
+          <a:bodyPr/>
+          <a:lstStyle/>
+          <a:p>
+            <a:pPr algn="l"/>
+            <a:r>
+              <a:rPr lang="en-US" dirty="0" err="1"/>
+              <a:t>pivot_longer</a:t>
+            </a:r>
+            <a:r>
+              <a:rPr lang="en-US" dirty="0"/>
+              <a:t>()</a:t>
+            </a:r>
+          </a:p>
+        </p:txBody>
+      </p:sp>
+      <p:pic>
+        <p:nvPicPr>
+          <p:cNvPr id="1026" name="Picture 2" descr="Pivoting `table4` into a longer, tidy form.">
+            <a:extLst>
+              <a:ext uri="{FF2B5EF4-FFF2-40B4-BE49-F238E27FC236}">
+                <a16:creationId xmlns:a16="http://schemas.microsoft.com/office/drawing/2014/main" id="{EC7CBF08-835A-9940-BB14-EBBAA325D1B9}"/>
+              </a:ext>
+            </a:extLst>
+          </p:cNvPr>
+          <p:cNvPicPr>
+            <a:picLocks noChangeAspect="1" noChangeArrowheads="1"/>
+          </p:cNvPicPr>
+          <p:nvPr/>
+        </p:nvPicPr>
+        <p:blipFill>
+          <a:blip r:embed="rId2">
+            <a:extLst>
+              <a:ext uri="{28A0092B-C50C-407E-A947-70E740481C1C}">
+                <a14:useLocalDpi xmlns:a14="http://schemas.microsoft.com/office/drawing/2010/main" val="0"/>
+              </a:ext>
+            </a:extLst>
+          </a:blip>
+          <a:srcRect/>
+          <a:stretch>
+            <a:fillRect/>
+          </a:stretch>
+        </p:blipFill>
+        <p:spPr bwMode="auto">
+          <a:xfrm>
+            <a:off x="1338943" y="2406081"/>
+            <a:ext cx="8066314" cy="2520723"/>
+          </a:xfrm>
+          <a:prstGeom prst="rect">
+            <a:avLst/>
+          </a:prstGeom>
+          <a:noFill/>
+          <a:extLst>
+            <a:ext uri="{909E8E84-426E-40DD-AFC4-6F175D3DCCD1}">
+              <a14:hiddenFill xmlns:a14="http://schemas.microsoft.com/office/drawing/2010/main">
+                <a:solidFill>
+                  <a:srgbClr val="FFFFFF"/>
+                </a:solidFill>
+              </a14:hiddenFill>
+            </a:ext>
+          </a:extLst>
+        </p:spPr>
+      </p:pic>
+      <p:sp>
+        <p:nvSpPr>
+          <p:cNvPr id="8" name="TextBox 7">
+            <a:extLst>
+              <a:ext uri="{FF2B5EF4-FFF2-40B4-BE49-F238E27FC236}">
+                <a16:creationId xmlns:a16="http://schemas.microsoft.com/office/drawing/2014/main" id="{61923A5B-6188-2340-AF2E-D33BB6C039F8}"/>
+              </a:ext>
+            </a:extLst>
+          </p:cNvPr>
+          <p:cNvSpPr txBox="1"/>
+          <p:nvPr/>
+        </p:nvSpPr>
+        <p:spPr>
+          <a:xfrm>
+            <a:off x="537410" y="1305075"/>
+            <a:ext cx="7234989" cy="584775"/>
+          </a:xfrm>
+          <a:prstGeom prst="rect">
+            <a:avLst/>
+          </a:prstGeom>
+          <a:noFill/>
+        </p:spPr>
+        <p:txBody>
+          <a:bodyPr wrap="square">
+            <a:spAutoFit/>
+          </a:bodyPr>
+          <a:lstStyle/>
+          <a:p>
+            <a:r>
+              <a:rPr lang="en-US" sz="1600" dirty="0">
+                <a:latin typeface="Avenir Book" panose="02000503020000020003" pitchFamily="2" charset="0"/>
+              </a:rPr>
+              <a:t>table4a %&gt;% </a:t>
+            </a:r>
+          </a:p>
+          <a:p>
+            <a:r>
+              <a:rPr lang="en-US" sz="1600" dirty="0">
+                <a:latin typeface="Avenir Book" panose="02000503020000020003" pitchFamily="2" charset="0"/>
+              </a:rPr>
+              <a:t>  </a:t>
+            </a:r>
+            <a:r>
+              <a:rPr lang="en-US" sz="1600" dirty="0" err="1">
+                <a:latin typeface="Avenir Book" panose="02000503020000020003" pitchFamily="2" charset="0"/>
+              </a:rPr>
+              <a:t>pivot_longer</a:t>
+            </a:r>
+            <a:r>
+              <a:rPr lang="en-US" sz="1600" dirty="0">
+                <a:latin typeface="Avenir Book" panose="02000503020000020003" pitchFamily="2" charset="0"/>
+              </a:rPr>
+              <a:t>(c(`1999`, `2000`), </a:t>
+            </a:r>
+            <a:r>
+              <a:rPr lang="en-US" sz="1600" dirty="0" err="1">
+                <a:latin typeface="Avenir Book" panose="02000503020000020003" pitchFamily="2" charset="0"/>
+              </a:rPr>
+              <a:t>names_to</a:t>
+            </a:r>
+            <a:r>
+              <a:rPr lang="en-US" sz="1600" dirty="0">
+                <a:latin typeface="Avenir Book" panose="02000503020000020003" pitchFamily="2" charset="0"/>
+              </a:rPr>
+              <a:t> = "year", </a:t>
+            </a:r>
+            <a:r>
+              <a:rPr lang="en-US" sz="1600" dirty="0" err="1">
+                <a:latin typeface="Avenir Book" panose="02000503020000020003" pitchFamily="2" charset="0"/>
+              </a:rPr>
+              <a:t>values_to</a:t>
+            </a:r>
+            <a:r>
+              <a:rPr lang="en-US" sz="1600" dirty="0">
+                <a:latin typeface="Avenir Book" panose="02000503020000020003" pitchFamily="2" charset="0"/>
+              </a:rPr>
+              <a:t> = "cases")</a:t>
+            </a:r>
+          </a:p>
+        </p:txBody>
+      </p:sp>
+    </p:spTree>
+    <p:extLst>
+      <p:ext uri="{BB962C8B-B14F-4D97-AF65-F5344CB8AC3E}">
+        <p14:creationId xmlns:p14="http://schemas.microsoft.com/office/powerpoint/2010/main" val="1477975852"/>
+      </p:ext>
+    </p:extLst>
+  </p:cSld>
+  <p:clrMapOvr>
+    <a:masterClrMapping/>
+  </p:clrMapOvr>
+</p:sld>
+</file>
+
+<file path=ppt/slides/slide6.xml><?xml version="1.0" encoding="utf-8"?>
+<p:sld xmlns:a="http://schemas.openxmlformats.org/drawingml/2006/main" xmlns:r="http://schemas.openxmlformats.org/officeDocument/2006/relationships" xmlns:p="http://schemas.openxmlformats.org/presentationml/2006/main">
+  <p:cSld>
+    <p:spTree>
+      <p:nvGrpSpPr>
+        <p:cNvPr id="1" name=""/>
+        <p:cNvGrpSpPr/>
+        <p:nvPr/>
+      </p:nvGrpSpPr>
+      <p:grpSpPr>
+        <a:xfrm>
+          <a:off x="0" y="0"/>
+          <a:ext cx="0" cy="0"/>
+          <a:chOff x="0" y="0"/>
+          <a:chExt cx="0" cy="0"/>
+        </a:xfrm>
+      </p:grpSpPr>
+      <p:sp>
+        <p:nvSpPr>
+          <p:cNvPr id="2" name="Title 1">
+            <a:extLst>
+              <a:ext uri="{FF2B5EF4-FFF2-40B4-BE49-F238E27FC236}">
+                <a16:creationId xmlns:a16="http://schemas.microsoft.com/office/drawing/2014/main" id="{8AFDD491-0015-C04A-B78B-04AB3ACB2BE1}"/>
+              </a:ext>
+            </a:extLst>
+          </p:cNvPr>
+          <p:cNvSpPr>
+            <a:spLocks noGrp="1"/>
+          </p:cNvSpPr>
+          <p:nvPr>
+            <p:ph type="title"/>
+          </p:nvPr>
+        </p:nvSpPr>
+        <p:spPr/>
+        <p:txBody>
+          <a:bodyPr/>
+          <a:lstStyle/>
+          <a:p>
+            <a:pPr algn="l"/>
+            <a:r>
+              <a:rPr lang="en-US" dirty="0" err="1"/>
+              <a:t>pivot_wider</a:t>
+            </a:r>
+            <a:r>
+              <a:rPr lang="en-US" dirty="0"/>
+              <a:t>()</a:t>
+            </a:r>
+          </a:p>
+        </p:txBody>
+      </p:sp>
+      <p:sp>
+        <p:nvSpPr>
+          <p:cNvPr id="8" name="TextBox 7">
+            <a:extLst>
+              <a:ext uri="{FF2B5EF4-FFF2-40B4-BE49-F238E27FC236}">
+                <a16:creationId xmlns:a16="http://schemas.microsoft.com/office/drawing/2014/main" id="{61923A5B-6188-2340-AF2E-D33BB6C039F8}"/>
+              </a:ext>
+            </a:extLst>
+          </p:cNvPr>
+          <p:cNvSpPr txBox="1"/>
+          <p:nvPr/>
+        </p:nvSpPr>
+        <p:spPr>
+          <a:xfrm>
+            <a:off x="537410" y="1305075"/>
+            <a:ext cx="7234989" cy="584775"/>
+          </a:xfrm>
+          <a:prstGeom prst="rect">
+            <a:avLst/>
+          </a:prstGeom>
+          <a:noFill/>
+        </p:spPr>
+        <p:txBody>
+          <a:bodyPr wrap="square">
+            <a:spAutoFit/>
+          </a:bodyPr>
+          <a:lstStyle/>
+          <a:p>
+            <a:r>
+              <a:rPr lang="en-US" sz="1600" dirty="0">
+                <a:latin typeface="Avenir Book" panose="02000503020000020003" pitchFamily="2" charset="0"/>
+              </a:rPr>
+              <a:t>table2 %&gt;%</a:t>
+            </a:r>
+          </a:p>
+          <a:p>
+            <a:r>
+              <a:rPr lang="en-US" sz="1600" dirty="0">
+                <a:latin typeface="Avenir Book" panose="02000503020000020003" pitchFamily="2" charset="0"/>
+              </a:rPr>
+              <a:t>    </a:t>
+            </a:r>
+            <a:r>
+              <a:rPr lang="en-US" sz="1600" dirty="0" err="1">
+                <a:latin typeface="Avenir Book" panose="02000503020000020003" pitchFamily="2" charset="0"/>
+              </a:rPr>
+              <a:t>pivot_wider</a:t>
+            </a:r>
+            <a:r>
+              <a:rPr lang="en-US" sz="1600" dirty="0">
+                <a:latin typeface="Avenir Book" panose="02000503020000020003" pitchFamily="2" charset="0"/>
+              </a:rPr>
+              <a:t>(</a:t>
+            </a:r>
+            <a:r>
+              <a:rPr lang="en-US" sz="1600" dirty="0" err="1">
+                <a:latin typeface="Avenir Book" panose="02000503020000020003" pitchFamily="2" charset="0"/>
+              </a:rPr>
+              <a:t>names_from</a:t>
+            </a:r>
+            <a:r>
+              <a:rPr lang="en-US" sz="1600" dirty="0">
+                <a:latin typeface="Avenir Book" panose="02000503020000020003" pitchFamily="2" charset="0"/>
+              </a:rPr>
+              <a:t> = type, </a:t>
+            </a:r>
+            <a:r>
+              <a:rPr lang="en-US" sz="1600" dirty="0" err="1">
+                <a:latin typeface="Avenir Book" panose="02000503020000020003" pitchFamily="2" charset="0"/>
+              </a:rPr>
+              <a:t>values_from</a:t>
+            </a:r>
+            <a:r>
+              <a:rPr lang="en-US" sz="1600" dirty="0">
+                <a:latin typeface="Avenir Book" panose="02000503020000020003" pitchFamily="2" charset="0"/>
+              </a:rPr>
+              <a:t> = count)</a:t>
+            </a:r>
+          </a:p>
+        </p:txBody>
+      </p:sp>
+      <p:pic>
+        <p:nvPicPr>
+          <p:cNvPr id="2050" name="Picture 2" descr="Pivoting `table2` into a &quot;wider&quot;, tidy form.">
+            <a:extLst>
+              <a:ext uri="{FF2B5EF4-FFF2-40B4-BE49-F238E27FC236}">
+                <a16:creationId xmlns:a16="http://schemas.microsoft.com/office/drawing/2014/main" id="{EE2D9176-B55D-354F-A29F-CB6F13FCDC62}"/>
+              </a:ext>
+            </a:extLst>
+          </p:cNvPr>
+          <p:cNvPicPr>
+            <a:picLocks noChangeAspect="1" noChangeArrowheads="1"/>
+          </p:cNvPicPr>
+          <p:nvPr/>
+        </p:nvPicPr>
+        <p:blipFill>
+          <a:blip r:embed="rId2">
+            <a:extLst>
+              <a:ext uri="{28A0092B-C50C-407E-A947-70E740481C1C}">
+                <a14:useLocalDpi xmlns:a14="http://schemas.microsoft.com/office/drawing/2010/main" val="0"/>
+              </a:ext>
+            </a:extLst>
+          </a:blip>
+          <a:srcRect/>
+          <a:stretch>
+            <a:fillRect/>
+          </a:stretch>
+        </p:blipFill>
+        <p:spPr bwMode="auto">
+          <a:xfrm>
+            <a:off x="2972200" y="2256591"/>
+            <a:ext cx="5714600" cy="2672766"/>
+          </a:xfrm>
+          <a:prstGeom prst="rect">
+            <a:avLst/>
+          </a:prstGeom>
+          <a:noFill/>
+          <a:extLst>
+            <a:ext uri="{909E8E84-426E-40DD-AFC4-6F175D3DCCD1}">
+              <a14:hiddenFill xmlns:a14="http://schemas.microsoft.com/office/drawing/2010/main">
+                <a:solidFill>
+                  <a:srgbClr val="FFFFFF"/>
+                </a:solidFill>
+              </a14:hiddenFill>
+            </a:ext>
+          </a:extLst>
+        </p:spPr>
+      </p:pic>
+    </p:spTree>
+    <p:extLst>
+      <p:ext uri="{BB962C8B-B14F-4D97-AF65-F5344CB8AC3E}">
+        <p14:creationId xmlns:p14="http://schemas.microsoft.com/office/powerpoint/2010/main" val="1023768401"/>
+      </p:ext>
+    </p:extLst>
+  </p:cSld>
+  <p:clrMapOvr>
+    <a:masterClrMapping/>
+  </p:clrMapOvr>
+</p:sld>
+</file>
+
+<file path=ppt/slides/slide7.xml><?xml version="1.0" encoding="utf-8"?>
+<p:sld xmlns:a="http://schemas.openxmlformats.org/drawingml/2006/main" xmlns:r="http://schemas.openxmlformats.org/officeDocument/2006/relationships" xmlns:p="http://schemas.openxmlformats.org/presentationml/2006/main">
+  <p:cSld>
+    <p:spTree>
+      <p:nvGrpSpPr>
+        <p:cNvPr id="1" name=""/>
+        <p:cNvGrpSpPr/>
+        <p:nvPr/>
+      </p:nvGrpSpPr>
+      <p:grpSpPr>
+        <a:xfrm>
+          <a:off x="0" y="0"/>
+          <a:ext cx="0" cy="0"/>
+          <a:chOff x="0" y="0"/>
+          <a:chExt cx="0" cy="0"/>
+        </a:xfrm>
+      </p:grpSpPr>
+      <p:sp>
+        <p:nvSpPr>
+          <p:cNvPr id="2" name="Title 1">
+            <a:extLst>
+              <a:ext uri="{FF2B5EF4-FFF2-40B4-BE49-F238E27FC236}">
+                <a16:creationId xmlns:a16="http://schemas.microsoft.com/office/drawing/2014/main" id="{8AFDD491-0015-C04A-B78B-04AB3ACB2BE1}"/>
+              </a:ext>
+            </a:extLst>
+          </p:cNvPr>
+          <p:cNvSpPr>
+            <a:spLocks noGrp="1"/>
+          </p:cNvSpPr>
+          <p:nvPr>
+            <p:ph type="title"/>
+          </p:nvPr>
+        </p:nvSpPr>
+        <p:spPr/>
+        <p:txBody>
+          <a:bodyPr/>
+          <a:lstStyle/>
+          <a:p>
+            <a:pPr algn="l"/>
+            <a:r>
+              <a:rPr lang="en-US" dirty="0"/>
+              <a:t>separate()</a:t>
+            </a:r>
+          </a:p>
+        </p:txBody>
+      </p:sp>
+      <p:sp>
+        <p:nvSpPr>
+          <p:cNvPr id="8" name="TextBox 7">
+            <a:extLst>
+              <a:ext uri="{FF2B5EF4-FFF2-40B4-BE49-F238E27FC236}">
+                <a16:creationId xmlns:a16="http://schemas.microsoft.com/office/drawing/2014/main" id="{61923A5B-6188-2340-AF2E-D33BB6C039F8}"/>
+              </a:ext>
+            </a:extLst>
+          </p:cNvPr>
+          <p:cNvSpPr txBox="1"/>
+          <p:nvPr/>
+        </p:nvSpPr>
+        <p:spPr>
+          <a:xfrm>
+            <a:off x="537410" y="1305075"/>
+            <a:ext cx="7234989" cy="584775"/>
+          </a:xfrm>
+          <a:prstGeom prst="rect">
+            <a:avLst/>
+          </a:prstGeom>
+          <a:noFill/>
+        </p:spPr>
+        <p:txBody>
+          <a:bodyPr wrap="square">
+            <a:spAutoFit/>
+          </a:bodyPr>
+          <a:lstStyle/>
+          <a:p>
+            <a:r>
+              <a:rPr lang="en-US" sz="1600" dirty="0">
+                <a:latin typeface="Avenir Book" panose="02000503020000020003" pitchFamily="2" charset="0"/>
+              </a:rPr>
+              <a:t>table3 %&gt;% </a:t>
+            </a:r>
+          </a:p>
+          <a:p>
+            <a:r>
+              <a:rPr lang="en-US" sz="1600" dirty="0">
+                <a:latin typeface="Avenir Book" panose="02000503020000020003" pitchFamily="2" charset="0"/>
+              </a:rPr>
+              <a:t>  separate(rate, into = c("cases", "population"))</a:t>
+            </a:r>
+          </a:p>
+        </p:txBody>
+      </p:sp>
+      <p:pic>
+        <p:nvPicPr>
+          <p:cNvPr id="2050" name="Picture 2" descr="Pivoting `table2` into a &quot;wider&quot;, tidy form.">
+            <a:extLst>
+              <a:ext uri="{FF2B5EF4-FFF2-40B4-BE49-F238E27FC236}">
+                <a16:creationId xmlns:a16="http://schemas.microsoft.com/office/drawing/2014/main" id="{EE2D9176-B55D-354F-A29F-CB6F13FCDC62}"/>
+              </a:ext>
+            </a:extLst>
+          </p:cNvPr>
+          <p:cNvPicPr>
+            <a:picLocks noChangeAspect="1" noChangeArrowheads="1"/>
+          </p:cNvPicPr>
+          <p:nvPr/>
+        </p:nvPicPr>
+        <p:blipFill>
+          <a:blip r:embed="rId2">
+            <a:extLst>
+              <a:ext uri="{28A0092B-C50C-407E-A947-70E740481C1C}">
+                <a14:useLocalDpi xmlns:a14="http://schemas.microsoft.com/office/drawing/2010/main" val="0"/>
+              </a:ext>
+            </a:extLst>
+          </a:blip>
+          <a:srcRect/>
+          <a:stretch>
+            <a:fillRect/>
+          </a:stretch>
+        </p:blipFill>
+        <p:spPr bwMode="auto">
+          <a:xfrm>
+            <a:off x="2972200" y="2256591"/>
+            <a:ext cx="5714600" cy="2672766"/>
+          </a:xfrm>
+          <a:prstGeom prst="rect">
+            <a:avLst/>
+          </a:prstGeom>
+          <a:noFill/>
+          <a:extLst>
+            <a:ext uri="{909E8E84-426E-40DD-AFC4-6F175D3DCCD1}">
+              <a14:hiddenFill xmlns:a14="http://schemas.microsoft.com/office/drawing/2010/main">
+                <a:solidFill>
+                  <a:srgbClr val="FFFFFF"/>
+                </a:solidFill>
+              </a14:hiddenFill>
+            </a:ext>
+          </a:extLst>
+        </p:spPr>
+      </p:pic>
+      <p:sp>
+        <p:nvSpPr>
+          <p:cNvPr id="6" name="TextBox 5">
+            <a:extLst>
+              <a:ext uri="{FF2B5EF4-FFF2-40B4-BE49-F238E27FC236}">
+                <a16:creationId xmlns:a16="http://schemas.microsoft.com/office/drawing/2014/main" id="{29E7B483-7B20-6241-A56E-6FC21845E66C}"/>
+              </a:ext>
+            </a:extLst>
+          </p:cNvPr>
+          <p:cNvSpPr txBox="1"/>
+          <p:nvPr/>
+        </p:nvSpPr>
+        <p:spPr>
+          <a:xfrm>
+            <a:off x="537410" y="3085142"/>
+            <a:ext cx="2434790" cy="1015663"/>
+          </a:xfrm>
+          <a:prstGeom prst="rect">
+            <a:avLst/>
+          </a:prstGeom>
+          <a:noFill/>
+        </p:spPr>
+        <p:txBody>
+          <a:bodyPr wrap="square">
+            <a:spAutoFit/>
+          </a:bodyPr>
+          <a:lstStyle/>
+          <a:p>
+            <a:r>
+              <a:rPr lang="en-US" sz="1200" b="0" i="0" dirty="0">
+                <a:solidFill>
+                  <a:srgbClr val="212529"/>
+                </a:solidFill>
+                <a:effectLst/>
+                <a:latin typeface="Avenir Book" panose="02000503020000020003" pitchFamily="2" charset="0"/>
+              </a:rPr>
+              <a:t>By default, </a:t>
+            </a:r>
+            <a:r>
+              <a:rPr lang="en-US" sz="1200" dirty="0">
+                <a:latin typeface="Avenir Book" panose="02000503020000020003" pitchFamily="2" charset="0"/>
+              </a:rPr>
+              <a:t>separate()</a:t>
+            </a:r>
+            <a:r>
+              <a:rPr lang="en-US" sz="1200" b="0" i="0" dirty="0">
+                <a:solidFill>
+                  <a:srgbClr val="212529"/>
+                </a:solidFill>
+                <a:effectLst/>
+                <a:latin typeface="Avenir Book" panose="02000503020000020003" pitchFamily="2" charset="0"/>
+              </a:rPr>
+              <a:t> will split values wherever it sees a non-alphanumeric character (i.e. a character that isn’t a number or letter)</a:t>
+            </a:r>
+            <a:endParaRPr lang="en-US" sz="1200" dirty="0">
+              <a:latin typeface="Avenir Book" panose="02000503020000020003" pitchFamily="2" charset="0"/>
+            </a:endParaRPr>
+          </a:p>
+        </p:txBody>
+      </p:sp>
+    </p:spTree>
+    <p:extLst>
+      <p:ext uri="{BB962C8B-B14F-4D97-AF65-F5344CB8AC3E}">
+        <p14:creationId xmlns:p14="http://schemas.microsoft.com/office/powerpoint/2010/main" val="630032765"/>
+      </p:ext>
+    </p:extLst>
+  </p:cSld>
+  <p:clrMapOvr>
+    <a:masterClrMapping/>
+  </p:clrMapOvr>
+</p:sld>
+</file>
+
+<file path=ppt/slides/slide8.xml><?xml version="1.0" encoding="utf-8"?>
+<p:sld xmlns:a="http://schemas.openxmlformats.org/drawingml/2006/main" xmlns:r="http://schemas.openxmlformats.org/officeDocument/2006/relationships" xmlns:p="http://schemas.openxmlformats.org/presentationml/2006/main">
+  <p:cSld>
+    <p:spTree>
+      <p:nvGrpSpPr>
+        <p:cNvPr id="1" name=""/>
+        <p:cNvGrpSpPr/>
+        <p:nvPr/>
+      </p:nvGrpSpPr>
+      <p:grpSpPr>
+        <a:xfrm>
+          <a:off x="0" y="0"/>
+          <a:ext cx="0" cy="0"/>
+          <a:chOff x="0" y="0"/>
+          <a:chExt cx="0" cy="0"/>
+        </a:xfrm>
+      </p:grpSpPr>
+      <p:sp>
+        <p:nvSpPr>
+          <p:cNvPr id="2" name="Title 1">
+            <a:extLst>
+              <a:ext uri="{FF2B5EF4-FFF2-40B4-BE49-F238E27FC236}">
                 <a16:creationId xmlns:a16="http://schemas.microsoft.com/office/drawing/2014/main" id="{76116AF2-2DDB-C441-89ED-FE02AF9A90A8}"/>
               </a:ext>
             </a:extLst>
@@ -3989,6 +4744,7 @@
           <a:bodyPr/>
           <a:lstStyle/>
           <a:p>
+            <a:pPr algn="l"/>
             <a:r>
               <a:rPr lang="en-US" dirty="0"/>
               <a:t>Exercise</a:t>

--- a/slides/Slides_tidydata.pptx
+++ b/slides/Slides_tidydata.pptx
@@ -12,7 +12,8 @@
     <p:sldId id="262" r:id="rId6"/>
     <p:sldId id="264" r:id="rId7"/>
     <p:sldId id="266" r:id="rId8"/>
-    <p:sldId id="260" r:id="rId9"/>
+    <p:sldId id="267" r:id="rId9"/>
+    <p:sldId id="260" r:id="rId10"/>
   </p:sldIdLst>
   <p:sldSz cx="9144000" cy="5143500" type="screen16x9"/>
   <p:notesSz cx="6858000" cy="9144000"/>
@@ -4728,6 +4729,162 @@
           <p:cNvPr id="2" name="Title 1">
             <a:extLst>
               <a:ext uri="{FF2B5EF4-FFF2-40B4-BE49-F238E27FC236}">
+                <a16:creationId xmlns:a16="http://schemas.microsoft.com/office/drawing/2014/main" id="{AC37DB7B-F69F-FB43-97BA-FB98F6905E8C}"/>
+              </a:ext>
+            </a:extLst>
+          </p:cNvPr>
+          <p:cNvSpPr>
+            <a:spLocks noGrp="1"/>
+          </p:cNvSpPr>
+          <p:nvPr>
+            <p:ph type="title"/>
+          </p:nvPr>
+        </p:nvSpPr>
+        <p:spPr/>
+        <p:txBody>
+          <a:bodyPr/>
+          <a:lstStyle/>
+          <a:p>
+            <a:pPr algn="l"/>
+            <a:r>
+              <a:rPr lang="en-US" dirty="0"/>
+              <a:t>Exercise – LOTR data</a:t>
+            </a:r>
+          </a:p>
+        </p:txBody>
+      </p:sp>
+      <p:sp>
+        <p:nvSpPr>
+          <p:cNvPr id="3" name="Content Placeholder 2">
+            <a:extLst>
+              <a:ext uri="{FF2B5EF4-FFF2-40B4-BE49-F238E27FC236}">
+                <a16:creationId xmlns:a16="http://schemas.microsoft.com/office/drawing/2014/main" id="{22A9FF0B-7B30-694D-8952-751C83952364}"/>
+              </a:ext>
+            </a:extLst>
+          </p:cNvPr>
+          <p:cNvSpPr>
+            <a:spLocks noGrp="1"/>
+          </p:cNvSpPr>
+          <p:nvPr>
+            <p:ph idx="1"/>
+          </p:nvPr>
+        </p:nvSpPr>
+        <p:spPr>
+          <a:xfrm>
+            <a:off x="457200" y="1543049"/>
+            <a:ext cx="8229600" cy="3394472"/>
+          </a:xfrm>
+        </p:spPr>
+        <p:txBody>
+          <a:bodyPr>
+            <a:normAutofit/>
+          </a:bodyPr>
+          <a:lstStyle/>
+          <a:p>
+            <a:pPr marL="457200" indent="-457200">
+              <a:buFont typeface="+mj-lt"/>
+              <a:buAutoNum type="arabicPeriod"/>
+            </a:pPr>
+            <a:r>
+              <a:rPr lang="en-US" sz="2200" dirty="0"/>
+              <a:t>After tidying the data and completing your analysis, you may want to output a table that has each race in its own column. Let’s use the </a:t>
+            </a:r>
+            <a:r>
+              <a:rPr lang="en-US" sz="2200" dirty="0" err="1"/>
+              <a:t>pivot_wider</a:t>
+            </a:r>
+            <a:r>
+              <a:rPr lang="en-US" sz="2200" dirty="0"/>
+              <a:t>() function to make such a table and save it as “</a:t>
+            </a:r>
+            <a:r>
+              <a:rPr lang="en-US" sz="2200" dirty="0" err="1"/>
+              <a:t>lotr_wide</a:t>
+            </a:r>
+            <a:r>
+              <a:rPr lang="en-US" sz="2200" dirty="0"/>
+              <a:t>”</a:t>
+            </a:r>
+            <a:br>
+              <a:rPr lang="en-US" sz="2200" dirty="0"/>
+            </a:br>
+            <a:endParaRPr lang="en-US" sz="2200" dirty="0"/>
+          </a:p>
+          <a:p>
+            <a:pPr marL="457200" indent="-457200">
+              <a:buFont typeface="+mj-lt"/>
+              <a:buAutoNum type="arabicPeriod"/>
+            </a:pPr>
+            <a:r>
+              <a:rPr lang="en-US" sz="2200" dirty="0"/>
+              <a:t>OPTIONAL: Use the </a:t>
+            </a:r>
+            <a:r>
+              <a:rPr lang="en-US" sz="2200" dirty="0" err="1"/>
+              <a:t>pivot_longer</a:t>
+            </a:r>
+            <a:r>
+              <a:rPr lang="en-US" sz="2200" dirty="0"/>
+              <a:t>() function to transform you </a:t>
+            </a:r>
+            <a:r>
+              <a:rPr lang="en-US" sz="2200" dirty="0" err="1"/>
+              <a:t>lotr_wide</a:t>
+            </a:r>
+            <a:r>
+              <a:rPr lang="en-US" sz="2200" dirty="0"/>
+              <a:t> back to tidy format.</a:t>
+            </a:r>
+          </a:p>
+          <a:p>
+            <a:pPr marL="0" indent="0">
+              <a:buNone/>
+            </a:pPr>
+            <a:br>
+              <a:rPr lang="en-US" sz="2200" dirty="0"/>
+            </a:br>
+            <a:endParaRPr lang="en-US" sz="2200" dirty="0"/>
+          </a:p>
+          <a:p>
+            <a:endParaRPr lang="en-US" sz="2200" dirty="0"/>
+          </a:p>
+        </p:txBody>
+      </p:sp>
+    </p:spTree>
+    <p:extLst>
+      <p:ext uri="{BB962C8B-B14F-4D97-AF65-F5344CB8AC3E}">
+        <p14:creationId xmlns:p14="http://schemas.microsoft.com/office/powerpoint/2010/main" val="1014736989"/>
+      </p:ext>
+    </p:extLst>
+  </p:cSld>
+  <p:clrMapOvr>
+    <a:masterClrMapping/>
+  </p:clrMapOvr>
+</p:sld>
+</file>
+
+<file path=ppt/slides/slide9.xml><?xml version="1.0" encoding="utf-8"?>
+<p:sld xmlns:a="http://schemas.openxmlformats.org/drawingml/2006/main" xmlns:r="http://schemas.openxmlformats.org/officeDocument/2006/relationships" xmlns:p="http://schemas.openxmlformats.org/presentationml/2006/main">
+  <p:cSld>
+    <p:spTree>
+      <p:nvGrpSpPr>
+        <p:cNvPr id="1" name=""/>
+        <p:cNvGrpSpPr/>
+        <p:nvPr/>
+      </p:nvGrpSpPr>
+      <p:grpSpPr>
+        <a:xfrm>
+          <a:off x="0" y="0"/>
+          <a:ext cx="0" cy="0"/>
+          <a:chOff x="0" y="0"/>
+          <a:chExt cx="0" cy="0"/>
+        </a:xfrm>
+      </p:grpSpPr>
+      <p:sp>
+        <p:nvSpPr>
+          <p:cNvPr id="2" name="Title 1">
+            <a:extLst>
+              <a:ext uri="{FF2B5EF4-FFF2-40B4-BE49-F238E27FC236}">
                 <a16:creationId xmlns:a16="http://schemas.microsoft.com/office/drawing/2014/main" id="{76116AF2-2DDB-C441-89ED-FE02AF9A90A8}"/>
               </a:ext>
             </a:extLst>
@@ -4747,7 +4904,7 @@
             <a:pPr algn="l"/>
             <a:r>
               <a:rPr lang="en-US" dirty="0"/>
-              <a:t>Exercise</a:t>
+              <a:t>Exercise – coronavirus data</a:t>
             </a:r>
           </a:p>
         </p:txBody>
@@ -4770,12 +4927,23 @@
         </p:nvSpPr>
         <p:spPr/>
         <p:txBody>
-          <a:bodyPr/>
-          <a:lstStyle/>
-          <a:p>
-            <a:r>
-              <a:rPr lang="en-US" dirty="0"/>
+          <a:bodyPr>
+            <a:normAutofit/>
+          </a:bodyPr>
+          <a:lstStyle/>
+          <a:p>
+            <a:r>
+              <a:rPr lang="en-US" sz="2000" dirty="0"/>
               <a:t>Convert the coronavirus dataset to a wider format where the confirmed cases, deaths and recovered cases are shown in separate columns</a:t>
+            </a:r>
+          </a:p>
+          <a:p>
+            <a:endParaRPr lang="en-US" sz="2000" dirty="0"/>
+          </a:p>
+          <a:p>
+            <a:r>
+              <a:rPr lang="en-US" sz="2000" dirty="0"/>
+              <a:t>With this wide format data, make a bar chart of the total number of confirmed cases, deaths, and recoveries per day for the US</a:t>
             </a:r>
           </a:p>
         </p:txBody>

--- a/slides/Slides_tidydata.pptx
+++ b/slides/Slides_tidydata.pptx
@@ -6,14 +6,15 @@
   </p:sldMasterIdLst>
   <p:sldIdLst>
     <p:sldId id="256" r:id="rId2"/>
-    <p:sldId id="257" r:id="rId3"/>
-    <p:sldId id="259" r:id="rId4"/>
-    <p:sldId id="261" r:id="rId5"/>
-    <p:sldId id="262" r:id="rId6"/>
-    <p:sldId id="264" r:id="rId7"/>
-    <p:sldId id="266" r:id="rId8"/>
-    <p:sldId id="267" r:id="rId9"/>
-    <p:sldId id="260" r:id="rId10"/>
+    <p:sldId id="268" r:id="rId3"/>
+    <p:sldId id="257" r:id="rId4"/>
+    <p:sldId id="259" r:id="rId5"/>
+    <p:sldId id="261" r:id="rId6"/>
+    <p:sldId id="262" r:id="rId7"/>
+    <p:sldId id="264" r:id="rId8"/>
+    <p:sldId id="266" r:id="rId9"/>
+    <p:sldId id="267" r:id="rId10"/>
+    <p:sldId id="260" r:id="rId11"/>
   </p:sldIdLst>
   <p:sldSz cx="9144000" cy="5143500" type="screen16x9"/>
   <p:notesSz cx="6858000" cy="9144000"/>
@@ -3161,7 +3162,189 @@
 </p:sld>
 </file>
 
+<file path=ppt/slides/slide10.xml><?xml version="1.0" encoding="utf-8"?>
+<p:sld xmlns:a="http://schemas.openxmlformats.org/drawingml/2006/main" xmlns:r="http://schemas.openxmlformats.org/officeDocument/2006/relationships" xmlns:p="http://schemas.openxmlformats.org/presentationml/2006/main">
+  <p:cSld>
+    <p:spTree>
+      <p:nvGrpSpPr>
+        <p:cNvPr id="1" name=""/>
+        <p:cNvGrpSpPr/>
+        <p:nvPr/>
+      </p:nvGrpSpPr>
+      <p:grpSpPr>
+        <a:xfrm>
+          <a:off x="0" y="0"/>
+          <a:ext cx="0" cy="0"/>
+          <a:chOff x="0" y="0"/>
+          <a:chExt cx="0" cy="0"/>
+        </a:xfrm>
+      </p:grpSpPr>
+      <p:sp>
+        <p:nvSpPr>
+          <p:cNvPr id="2" name="Title 1">
+            <a:extLst>
+              <a:ext uri="{FF2B5EF4-FFF2-40B4-BE49-F238E27FC236}">
+                <a16:creationId xmlns:a16="http://schemas.microsoft.com/office/drawing/2014/main" id="{76116AF2-2DDB-C441-89ED-FE02AF9A90A8}"/>
+              </a:ext>
+            </a:extLst>
+          </p:cNvPr>
+          <p:cNvSpPr>
+            <a:spLocks noGrp="1"/>
+          </p:cNvSpPr>
+          <p:nvPr>
+            <p:ph type="title"/>
+          </p:nvPr>
+        </p:nvSpPr>
+        <p:spPr/>
+        <p:txBody>
+          <a:bodyPr/>
+          <a:lstStyle/>
+          <a:p>
+            <a:pPr algn="l"/>
+            <a:r>
+              <a:rPr lang="en-US" dirty="0"/>
+              <a:t>Exercise – coronavirus data</a:t>
+            </a:r>
+          </a:p>
+        </p:txBody>
+      </p:sp>
+      <p:sp>
+        <p:nvSpPr>
+          <p:cNvPr id="3" name="Content Placeholder 2">
+            <a:extLst>
+              <a:ext uri="{FF2B5EF4-FFF2-40B4-BE49-F238E27FC236}">
+                <a16:creationId xmlns:a16="http://schemas.microsoft.com/office/drawing/2014/main" id="{A0FBD0C5-9181-5E40-A87E-E6BEEAA40DD1}"/>
+              </a:ext>
+            </a:extLst>
+          </p:cNvPr>
+          <p:cNvSpPr>
+            <a:spLocks noGrp="1"/>
+          </p:cNvSpPr>
+          <p:nvPr>
+            <p:ph idx="1"/>
+          </p:nvPr>
+        </p:nvSpPr>
+        <p:spPr/>
+        <p:txBody>
+          <a:bodyPr>
+            <a:normAutofit/>
+          </a:bodyPr>
+          <a:lstStyle/>
+          <a:p>
+            <a:r>
+              <a:rPr lang="en-US" sz="2000" dirty="0"/>
+              <a:t>Convert the coronavirus dataset to a wider format where the confirmed cases, deaths and recovered cases are shown in separate columns</a:t>
+            </a:r>
+          </a:p>
+          <a:p>
+            <a:endParaRPr lang="en-US" sz="2000" dirty="0"/>
+          </a:p>
+          <a:p>
+            <a:r>
+              <a:rPr lang="en-US" sz="2000" dirty="0"/>
+              <a:t>With this wide format data, make a bar chart of the total number of confirmed cases, deaths, and recoveries per day for the US</a:t>
+            </a:r>
+          </a:p>
+        </p:txBody>
+      </p:sp>
+    </p:spTree>
+    <p:extLst>
+      <p:ext uri="{BB962C8B-B14F-4D97-AF65-F5344CB8AC3E}">
+        <p14:creationId xmlns:p14="http://schemas.microsoft.com/office/powerpoint/2010/main" val="2924473965"/>
+      </p:ext>
+    </p:extLst>
+  </p:cSld>
+  <p:clrMapOvr>
+    <a:masterClrMapping/>
+  </p:clrMapOvr>
+</p:sld>
+</file>
+
 <file path=ppt/slides/slide2.xml><?xml version="1.0" encoding="utf-8"?>
+<p:sld xmlns:a="http://schemas.openxmlformats.org/drawingml/2006/main" xmlns:r="http://schemas.openxmlformats.org/officeDocument/2006/relationships" xmlns:p="http://schemas.openxmlformats.org/presentationml/2006/main">
+  <p:cSld>
+    <p:spTree>
+      <p:nvGrpSpPr>
+        <p:cNvPr id="1" name=""/>
+        <p:cNvGrpSpPr/>
+        <p:nvPr/>
+      </p:nvGrpSpPr>
+      <p:grpSpPr>
+        <a:xfrm>
+          <a:off x="0" y="0"/>
+          <a:ext cx="0" cy="0"/>
+          <a:chOff x="0" y="0"/>
+          <a:chExt cx="0" cy="0"/>
+        </a:xfrm>
+      </p:grpSpPr>
+      <p:sp>
+        <p:nvSpPr>
+          <p:cNvPr id="2" name="Title 1">
+            <a:extLst>
+              <a:ext uri="{FF2B5EF4-FFF2-40B4-BE49-F238E27FC236}">
+                <a16:creationId xmlns:a16="http://schemas.microsoft.com/office/drawing/2014/main" id="{4C85745B-1C38-E341-BC50-4D774A7403D3}"/>
+              </a:ext>
+            </a:extLst>
+          </p:cNvPr>
+          <p:cNvSpPr>
+            <a:spLocks noGrp="1"/>
+          </p:cNvSpPr>
+          <p:nvPr>
+            <p:ph type="title"/>
+          </p:nvPr>
+        </p:nvSpPr>
+        <p:spPr/>
+        <p:txBody>
+          <a:bodyPr/>
+          <a:lstStyle/>
+          <a:p>
+            <a:pPr algn="l"/>
+            <a:r>
+              <a:rPr lang="en-US" dirty="0"/>
+              <a:t>Learning objectives</a:t>
+            </a:r>
+          </a:p>
+        </p:txBody>
+      </p:sp>
+      <p:sp>
+        <p:nvSpPr>
+          <p:cNvPr id="3" name="Content Placeholder 2">
+            <a:extLst>
+              <a:ext uri="{FF2B5EF4-FFF2-40B4-BE49-F238E27FC236}">
+                <a16:creationId xmlns:a16="http://schemas.microsoft.com/office/drawing/2014/main" id="{00DE754C-D6EA-0C47-8C22-2A1560431F0C}"/>
+              </a:ext>
+            </a:extLst>
+          </p:cNvPr>
+          <p:cNvSpPr>
+            <a:spLocks noGrp="1"/>
+          </p:cNvSpPr>
+          <p:nvPr>
+            <p:ph idx="1"/>
+          </p:nvPr>
+        </p:nvSpPr>
+        <p:spPr/>
+        <p:txBody>
+          <a:bodyPr/>
+          <a:lstStyle/>
+          <a:p>
+            <a:endParaRPr lang="en-US"/>
+          </a:p>
+        </p:txBody>
+      </p:sp>
+    </p:spTree>
+    <p:extLst>
+      <p:ext uri="{BB962C8B-B14F-4D97-AF65-F5344CB8AC3E}">
+        <p14:creationId xmlns:p14="http://schemas.microsoft.com/office/powerpoint/2010/main" val="4084466233"/>
+      </p:ext>
+    </p:extLst>
+  </p:cSld>
+  <p:clrMapOvr>
+    <a:masterClrMapping/>
+  </p:clrMapOvr>
+</p:sld>
+</file>
+
+<file path=ppt/slides/slide3.xml><?xml version="1.0" encoding="utf-8"?>
 <p:sld xmlns:a="http://schemas.openxmlformats.org/drawingml/2006/main" xmlns:r="http://schemas.openxmlformats.org/officeDocument/2006/relationships" xmlns:p="http://schemas.openxmlformats.org/presentationml/2006/main">
   <p:cSld>
     <p:spTree>
@@ -3451,7 +3634,7 @@
 </p:sld>
 </file>
 
-<file path=ppt/slides/slide3.xml><?xml version="1.0" encoding="utf-8"?>
+<file path=ppt/slides/slide4.xml><?xml version="1.0" encoding="utf-8"?>
 <p:sld xmlns:a="http://schemas.openxmlformats.org/drawingml/2006/main" xmlns:r="http://schemas.openxmlformats.org/officeDocument/2006/relationships" xmlns:p="http://schemas.openxmlformats.org/presentationml/2006/main">
   <p:cSld>
     <p:spTree>
@@ -3961,7 +4144,7 @@
 </p:sld>
 </file>
 
-<file path=ppt/slides/slide4.xml><?xml version="1.0" encoding="utf-8"?>
+<file path=ppt/slides/slide5.xml><?xml version="1.0" encoding="utf-8"?>
 <p:sld xmlns:a="http://schemas.openxmlformats.org/drawingml/2006/main" xmlns:r="http://schemas.openxmlformats.org/officeDocument/2006/relationships" xmlns:p="http://schemas.openxmlformats.org/presentationml/2006/main">
   <p:cSld>
     <p:spTree>
@@ -4114,7 +4297,7 @@
 </p:sld>
 </file>
 
-<file path=ppt/slides/slide5.xml><?xml version="1.0" encoding="utf-8"?>
+<file path=ppt/slides/slide6.xml><?xml version="1.0" encoding="utf-8"?>
 <p:sld xmlns:a="http://schemas.openxmlformats.org/drawingml/2006/main" xmlns:r="http://schemas.openxmlformats.org/officeDocument/2006/relationships" xmlns:p="http://schemas.openxmlformats.org/presentationml/2006/main">
   <p:cSld>
     <p:spTree>
@@ -4305,7 +4488,7 @@
 </p:sld>
 </file>
 
-<file path=ppt/slides/slide6.xml><?xml version="1.0" encoding="utf-8"?>
+<file path=ppt/slides/slide7.xml><?xml version="1.0" encoding="utf-8"?>
 <p:sld xmlns:a="http://schemas.openxmlformats.org/drawingml/2006/main" xmlns:r="http://schemas.openxmlformats.org/officeDocument/2006/relationships" xmlns:p="http://schemas.openxmlformats.org/presentationml/2006/main">
   <p:cSld>
     <p:spTree>
@@ -4496,7 +4679,7 @@
 </p:sld>
 </file>
 
-<file path=ppt/slides/slide7.xml><?xml version="1.0" encoding="utf-8"?>
+<file path=ppt/slides/slide8.xml><?xml version="1.0" encoding="utf-8"?>
 <p:sld xmlns:a="http://schemas.openxmlformats.org/drawingml/2006/main" xmlns:r="http://schemas.openxmlformats.org/officeDocument/2006/relationships" xmlns:p="http://schemas.openxmlformats.org/presentationml/2006/main">
   <p:cSld>
     <p:spTree>
@@ -4707,162 +4890,6 @@
 </p:sld>
 </file>
 
-<file path=ppt/slides/slide8.xml><?xml version="1.0" encoding="utf-8"?>
-<p:sld xmlns:a="http://schemas.openxmlformats.org/drawingml/2006/main" xmlns:r="http://schemas.openxmlformats.org/officeDocument/2006/relationships" xmlns:p="http://schemas.openxmlformats.org/presentationml/2006/main">
-  <p:cSld>
-    <p:spTree>
-      <p:nvGrpSpPr>
-        <p:cNvPr id="1" name=""/>
-        <p:cNvGrpSpPr/>
-        <p:nvPr/>
-      </p:nvGrpSpPr>
-      <p:grpSpPr>
-        <a:xfrm>
-          <a:off x="0" y="0"/>
-          <a:ext cx="0" cy="0"/>
-          <a:chOff x="0" y="0"/>
-          <a:chExt cx="0" cy="0"/>
-        </a:xfrm>
-      </p:grpSpPr>
-      <p:sp>
-        <p:nvSpPr>
-          <p:cNvPr id="2" name="Title 1">
-            <a:extLst>
-              <a:ext uri="{FF2B5EF4-FFF2-40B4-BE49-F238E27FC236}">
-                <a16:creationId xmlns:a16="http://schemas.microsoft.com/office/drawing/2014/main" id="{AC37DB7B-F69F-FB43-97BA-FB98F6905E8C}"/>
-              </a:ext>
-            </a:extLst>
-          </p:cNvPr>
-          <p:cNvSpPr>
-            <a:spLocks noGrp="1"/>
-          </p:cNvSpPr>
-          <p:nvPr>
-            <p:ph type="title"/>
-          </p:nvPr>
-        </p:nvSpPr>
-        <p:spPr/>
-        <p:txBody>
-          <a:bodyPr/>
-          <a:lstStyle/>
-          <a:p>
-            <a:pPr algn="l"/>
-            <a:r>
-              <a:rPr lang="en-US" dirty="0"/>
-              <a:t>Exercise – LOTR data</a:t>
-            </a:r>
-          </a:p>
-        </p:txBody>
-      </p:sp>
-      <p:sp>
-        <p:nvSpPr>
-          <p:cNvPr id="3" name="Content Placeholder 2">
-            <a:extLst>
-              <a:ext uri="{FF2B5EF4-FFF2-40B4-BE49-F238E27FC236}">
-                <a16:creationId xmlns:a16="http://schemas.microsoft.com/office/drawing/2014/main" id="{22A9FF0B-7B30-694D-8952-751C83952364}"/>
-              </a:ext>
-            </a:extLst>
-          </p:cNvPr>
-          <p:cNvSpPr>
-            <a:spLocks noGrp="1"/>
-          </p:cNvSpPr>
-          <p:nvPr>
-            <p:ph idx="1"/>
-          </p:nvPr>
-        </p:nvSpPr>
-        <p:spPr>
-          <a:xfrm>
-            <a:off x="457200" y="1543049"/>
-            <a:ext cx="8229600" cy="3394472"/>
-          </a:xfrm>
-        </p:spPr>
-        <p:txBody>
-          <a:bodyPr>
-            <a:normAutofit/>
-          </a:bodyPr>
-          <a:lstStyle/>
-          <a:p>
-            <a:pPr marL="457200" indent="-457200">
-              <a:buFont typeface="+mj-lt"/>
-              <a:buAutoNum type="arabicPeriod"/>
-            </a:pPr>
-            <a:r>
-              <a:rPr lang="en-US" sz="2200" dirty="0"/>
-              <a:t>After tidying the data and completing your analysis, you may want to output a table that has each race in its own column. Let’s use the </a:t>
-            </a:r>
-            <a:r>
-              <a:rPr lang="en-US" sz="2200" dirty="0" err="1"/>
-              <a:t>pivot_wider</a:t>
-            </a:r>
-            <a:r>
-              <a:rPr lang="en-US" sz="2200" dirty="0"/>
-              <a:t>() function to make such a table and save it as “</a:t>
-            </a:r>
-            <a:r>
-              <a:rPr lang="en-US" sz="2200" dirty="0" err="1"/>
-              <a:t>lotr_wide</a:t>
-            </a:r>
-            <a:r>
-              <a:rPr lang="en-US" sz="2200" dirty="0"/>
-              <a:t>”</a:t>
-            </a:r>
-            <a:br>
-              <a:rPr lang="en-US" sz="2200" dirty="0"/>
-            </a:br>
-            <a:endParaRPr lang="en-US" sz="2200" dirty="0"/>
-          </a:p>
-          <a:p>
-            <a:pPr marL="457200" indent="-457200">
-              <a:buFont typeface="+mj-lt"/>
-              <a:buAutoNum type="arabicPeriod"/>
-            </a:pPr>
-            <a:r>
-              <a:rPr lang="en-US" sz="2200" dirty="0"/>
-              <a:t>OPTIONAL: Use the </a:t>
-            </a:r>
-            <a:r>
-              <a:rPr lang="en-US" sz="2200" dirty="0" err="1"/>
-              <a:t>pivot_longer</a:t>
-            </a:r>
-            <a:r>
-              <a:rPr lang="en-US" sz="2200" dirty="0"/>
-              <a:t>() function to transform you </a:t>
-            </a:r>
-            <a:r>
-              <a:rPr lang="en-US" sz="2200" dirty="0" err="1"/>
-              <a:t>lotr_wide</a:t>
-            </a:r>
-            <a:r>
-              <a:rPr lang="en-US" sz="2200" dirty="0"/>
-              <a:t> back to tidy format.</a:t>
-            </a:r>
-          </a:p>
-          <a:p>
-            <a:pPr marL="0" indent="0">
-              <a:buNone/>
-            </a:pPr>
-            <a:br>
-              <a:rPr lang="en-US" sz="2200" dirty="0"/>
-            </a:br>
-            <a:endParaRPr lang="en-US" sz="2200" dirty="0"/>
-          </a:p>
-          <a:p>
-            <a:endParaRPr lang="en-US" sz="2200" dirty="0"/>
-          </a:p>
-        </p:txBody>
-      </p:sp>
-    </p:spTree>
-    <p:extLst>
-      <p:ext uri="{BB962C8B-B14F-4D97-AF65-F5344CB8AC3E}">
-        <p14:creationId xmlns:p14="http://schemas.microsoft.com/office/powerpoint/2010/main" val="1014736989"/>
-      </p:ext>
-    </p:extLst>
-  </p:cSld>
-  <p:clrMapOvr>
-    <a:masterClrMapping/>
-  </p:clrMapOvr>
-</p:sld>
-</file>
-
 <file path=ppt/slides/slide9.xml><?xml version="1.0" encoding="utf-8"?>
 <p:sld xmlns:a="http://schemas.openxmlformats.org/drawingml/2006/main" xmlns:r="http://schemas.openxmlformats.org/officeDocument/2006/relationships" xmlns:p="http://schemas.openxmlformats.org/presentationml/2006/main">
   <p:cSld>
@@ -4885,7 +4912,7 @@
           <p:cNvPr id="2" name="Title 1">
             <a:extLst>
               <a:ext uri="{FF2B5EF4-FFF2-40B4-BE49-F238E27FC236}">
-                <a16:creationId xmlns:a16="http://schemas.microsoft.com/office/drawing/2014/main" id="{76116AF2-2DDB-C441-89ED-FE02AF9A90A8}"/>
+                <a16:creationId xmlns:a16="http://schemas.microsoft.com/office/drawing/2014/main" id="{AC37DB7B-F69F-FB43-97BA-FB98F6905E8C}"/>
               </a:ext>
             </a:extLst>
           </p:cNvPr>
@@ -4904,7 +4931,7 @@
             <a:pPr algn="l"/>
             <a:r>
               <a:rPr lang="en-US" dirty="0"/>
-              <a:t>Exercise – coronavirus data</a:t>
+              <a:t>Exercise – LOTR data</a:t>
             </a:r>
           </a:p>
         </p:txBody>
@@ -4914,7 +4941,7 @@
           <p:cNvPr id="3" name="Content Placeholder 2">
             <a:extLst>
               <a:ext uri="{FF2B5EF4-FFF2-40B4-BE49-F238E27FC236}">
-                <a16:creationId xmlns:a16="http://schemas.microsoft.com/office/drawing/2014/main" id="{A0FBD0C5-9181-5E40-A87E-E6BEEAA40DD1}"/>
+                <a16:creationId xmlns:a16="http://schemas.microsoft.com/office/drawing/2014/main" id="{22A9FF0B-7B30-694D-8952-751C83952364}"/>
               </a:ext>
             </a:extLst>
           </p:cNvPr>
@@ -4925,33 +4952,91 @@
             <p:ph idx="1"/>
           </p:nvPr>
         </p:nvSpPr>
-        <p:spPr/>
+        <p:spPr>
+          <a:xfrm>
+            <a:off x="457200" y="1543049"/>
+            <a:ext cx="8229600" cy="3394472"/>
+          </a:xfrm>
+        </p:spPr>
         <p:txBody>
           <a:bodyPr>
             <a:normAutofit/>
           </a:bodyPr>
           <a:lstStyle/>
           <a:p>
-            <a:r>
-              <a:rPr lang="en-US" sz="2000" dirty="0"/>
-              <a:t>Convert the coronavirus dataset to a wider format where the confirmed cases, deaths and recovered cases are shown in separate columns</a:t>
-            </a:r>
-          </a:p>
-          <a:p>
-            <a:endParaRPr lang="en-US" sz="2000" dirty="0"/>
-          </a:p>
-          <a:p>
-            <a:r>
-              <a:rPr lang="en-US" sz="2000" dirty="0"/>
-              <a:t>With this wide format data, make a bar chart of the total number of confirmed cases, deaths, and recoveries per day for the US</a:t>
-            </a:r>
+            <a:pPr marL="457200" indent="-457200">
+              <a:buFont typeface="+mj-lt"/>
+              <a:buAutoNum type="arabicPeriod"/>
+            </a:pPr>
+            <a:r>
+              <a:rPr lang="en-US" sz="2200" dirty="0"/>
+              <a:t>After tidying the data and completing your analysis, you may want to output a table that has each race in its own column. Let’s use the </a:t>
+            </a:r>
+            <a:r>
+              <a:rPr lang="en-US" sz="2200" dirty="0" err="1"/>
+              <a:t>pivot_wider</a:t>
+            </a:r>
+            <a:r>
+              <a:rPr lang="en-US" sz="2200" dirty="0"/>
+              <a:t>() function to make such a table and save it as “</a:t>
+            </a:r>
+            <a:r>
+              <a:rPr lang="en-US" sz="2200" dirty="0" err="1"/>
+              <a:t>lotr_wide</a:t>
+            </a:r>
+            <a:r>
+              <a:rPr lang="en-US" sz="2200" dirty="0"/>
+              <a:t>”</a:t>
+            </a:r>
+            <a:br>
+              <a:rPr lang="en-US" sz="2200" dirty="0"/>
+            </a:br>
+            <a:endParaRPr lang="en-US" sz="2200" dirty="0"/>
+          </a:p>
+          <a:p>
+            <a:pPr marL="457200" indent="-457200">
+              <a:buFont typeface="+mj-lt"/>
+              <a:buAutoNum type="arabicPeriod"/>
+            </a:pPr>
+            <a:r>
+              <a:rPr lang="en-US" sz="2200" dirty="0"/>
+              <a:t>OPTIONAL: Use the </a:t>
+            </a:r>
+            <a:r>
+              <a:rPr lang="en-US" sz="2200" dirty="0" err="1"/>
+              <a:t>pivot_longer</a:t>
+            </a:r>
+            <a:r>
+              <a:rPr lang="en-US" sz="2200" dirty="0"/>
+              <a:t>() function to transform you </a:t>
+            </a:r>
+            <a:r>
+              <a:rPr lang="en-US" sz="2200" dirty="0" err="1"/>
+              <a:t>lotr_wide</a:t>
+            </a:r>
+            <a:r>
+              <a:rPr lang="en-US" sz="2200" dirty="0"/>
+              <a:t> back to tidy format.</a:t>
+            </a:r>
+          </a:p>
+          <a:p>
+            <a:pPr marL="0" indent="0">
+              <a:buNone/>
+            </a:pPr>
+            <a:br>
+              <a:rPr lang="en-US" sz="2200" dirty="0"/>
+            </a:br>
+            <a:endParaRPr lang="en-US" sz="2200" dirty="0"/>
+          </a:p>
+          <a:p>
+            <a:endParaRPr lang="en-US" sz="2200" dirty="0"/>
           </a:p>
         </p:txBody>
       </p:sp>
     </p:spTree>
     <p:extLst>
       <p:ext uri="{BB962C8B-B14F-4D97-AF65-F5344CB8AC3E}">
-        <p14:creationId xmlns:p14="http://schemas.microsoft.com/office/powerpoint/2010/main" val="2924473965"/>
+        <p14:creationId xmlns:p14="http://schemas.microsoft.com/office/powerpoint/2010/main" val="1014736989"/>
       </p:ext>
     </p:extLst>
   </p:cSld>

--- a/slides/Slides_tidydata.pptx
+++ b/slides/Slides_tidydata.pptx
@@ -7,14 +7,18 @@
   <p:sldIdLst>
     <p:sldId id="256" r:id="rId2"/>
     <p:sldId id="268" r:id="rId3"/>
-    <p:sldId id="257" r:id="rId4"/>
-    <p:sldId id="259" r:id="rId5"/>
-    <p:sldId id="261" r:id="rId6"/>
-    <p:sldId id="262" r:id="rId7"/>
-    <p:sldId id="264" r:id="rId8"/>
-    <p:sldId id="266" r:id="rId9"/>
-    <p:sldId id="267" r:id="rId10"/>
-    <p:sldId id="260" r:id="rId11"/>
+    <p:sldId id="271" r:id="rId4"/>
+    <p:sldId id="257" r:id="rId5"/>
+    <p:sldId id="259" r:id="rId6"/>
+    <p:sldId id="261" r:id="rId7"/>
+    <p:sldId id="270" r:id="rId8"/>
+    <p:sldId id="272" r:id="rId9"/>
+    <p:sldId id="262" r:id="rId10"/>
+    <p:sldId id="264" r:id="rId11"/>
+    <p:sldId id="266" r:id="rId12"/>
+    <p:sldId id="267" r:id="rId13"/>
+    <p:sldId id="273" r:id="rId14"/>
+    <p:sldId id="260" r:id="rId15"/>
   </p:sldIdLst>
   <p:sldSz cx="9144000" cy="5143500" type="screen16x9"/>
   <p:notesSz cx="6858000" cy="9144000"/>
@@ -300,7 +304,7 @@
           <a:p>
             <a:fld id="{BAB96B47-EBE1-7147-975B-DE61DA6681A3}" type="datetimeFigureOut">
               <a:rPr lang="en-US" smtClean="0"/>
-              <a:t>2/23/22</a:t>
+              <a:t>9/25/24</a:t>
             </a:fld>
             <a:endParaRPr lang="en-US"/>
           </a:p>
@@ -468,7 +472,7 @@
           <a:p>
             <a:fld id="{BAB96B47-EBE1-7147-975B-DE61DA6681A3}" type="datetimeFigureOut">
               <a:rPr lang="en-US" smtClean="0"/>
-              <a:t>2/23/22</a:t>
+              <a:t>9/25/24</a:t>
             </a:fld>
             <a:endParaRPr lang="en-US"/>
           </a:p>
@@ -646,7 +650,7 @@
           <a:p>
             <a:fld id="{BAB96B47-EBE1-7147-975B-DE61DA6681A3}" type="datetimeFigureOut">
               <a:rPr lang="en-US" smtClean="0"/>
-              <a:t>2/23/22</a:t>
+              <a:t>9/25/24</a:t>
             </a:fld>
             <a:endParaRPr lang="en-US"/>
           </a:p>
@@ -814,7 +818,7 @@
           <a:p>
             <a:fld id="{BAB96B47-EBE1-7147-975B-DE61DA6681A3}" type="datetimeFigureOut">
               <a:rPr lang="en-US" smtClean="0"/>
-              <a:t>2/23/22</a:t>
+              <a:t>9/25/24</a:t>
             </a:fld>
             <a:endParaRPr lang="en-US"/>
           </a:p>
@@ -1059,7 +1063,7 @@
           <a:p>
             <a:fld id="{BAB96B47-EBE1-7147-975B-DE61DA6681A3}" type="datetimeFigureOut">
               <a:rPr lang="en-US" smtClean="0"/>
-              <a:t>2/23/22</a:t>
+              <a:t>9/25/24</a:t>
             </a:fld>
             <a:endParaRPr lang="en-US"/>
           </a:p>
@@ -1344,7 +1348,7 @@
           <a:p>
             <a:fld id="{BAB96B47-EBE1-7147-975B-DE61DA6681A3}" type="datetimeFigureOut">
               <a:rPr lang="en-US" smtClean="0"/>
-              <a:t>2/23/22</a:t>
+              <a:t>9/25/24</a:t>
             </a:fld>
             <a:endParaRPr lang="en-US"/>
           </a:p>
@@ -1763,7 +1767,7 @@
           <a:p>
             <a:fld id="{BAB96B47-EBE1-7147-975B-DE61DA6681A3}" type="datetimeFigureOut">
               <a:rPr lang="en-US" smtClean="0"/>
-              <a:t>2/23/22</a:t>
+              <a:t>9/25/24</a:t>
             </a:fld>
             <a:endParaRPr lang="en-US"/>
           </a:p>
@@ -1880,7 +1884,7 @@
           <a:p>
             <a:fld id="{BAB96B47-EBE1-7147-975B-DE61DA6681A3}" type="datetimeFigureOut">
               <a:rPr lang="en-US" smtClean="0"/>
-              <a:t>2/23/22</a:t>
+              <a:t>9/25/24</a:t>
             </a:fld>
             <a:endParaRPr lang="en-US"/>
           </a:p>
@@ -1975,7 +1979,7 @@
           <a:p>
             <a:fld id="{BAB96B47-EBE1-7147-975B-DE61DA6681A3}" type="datetimeFigureOut">
               <a:rPr lang="en-US" smtClean="0"/>
-              <a:t>2/23/22</a:t>
+              <a:t>9/25/24</a:t>
             </a:fld>
             <a:endParaRPr lang="en-US"/>
           </a:p>
@@ -2250,7 +2254,7 @@
           <a:p>
             <a:fld id="{BAB96B47-EBE1-7147-975B-DE61DA6681A3}" type="datetimeFigureOut">
               <a:rPr lang="en-US" smtClean="0"/>
-              <a:t>2/23/22</a:t>
+              <a:t>9/25/24</a:t>
             </a:fld>
             <a:endParaRPr lang="en-US"/>
           </a:p>
@@ -2505,7 +2509,7 @@
           <a:p>
             <a:fld id="{BAB96B47-EBE1-7147-975B-DE61DA6681A3}" type="datetimeFigureOut">
               <a:rPr lang="en-US" smtClean="0"/>
-              <a:t>2/23/22</a:t>
+              <a:t>9/25/24</a:t>
             </a:fld>
             <a:endParaRPr lang="en-US"/>
           </a:p>
@@ -2719,7 +2723,7 @@
             <a:fld id="{BAB96B47-EBE1-7147-975B-DE61DA6681A3}" type="datetimeFigureOut">
               <a:rPr lang="en-US" smtClean="0"/>
               <a:pPr/>
-              <a:t>2/23/22</a:t>
+              <a:t>9/25/24</a:t>
             </a:fld>
             <a:endParaRPr lang="en-US"/>
           </a:p>
@@ -3120,7 +3124,10 @@
           <a:bodyPr/>
           <a:lstStyle/>
           <a:p>
-            <a:endParaRPr lang="en-US"/>
+            <a:r>
+              <a:rPr lang="en-US" dirty="0"/>
+              <a:t>Lesson 10: Tidy data</a:t>
+            </a:r>
           </a:p>
         </p:txBody>
       </p:sp>
@@ -3184,6 +3191,680 @@
           <p:cNvPr id="2" name="Title 1">
             <a:extLst>
               <a:ext uri="{FF2B5EF4-FFF2-40B4-BE49-F238E27FC236}">
+                <a16:creationId xmlns:a16="http://schemas.microsoft.com/office/drawing/2014/main" id="{8AFDD491-0015-C04A-B78B-04AB3ACB2BE1}"/>
+              </a:ext>
+            </a:extLst>
+          </p:cNvPr>
+          <p:cNvSpPr>
+            <a:spLocks noGrp="1"/>
+          </p:cNvSpPr>
+          <p:nvPr>
+            <p:ph type="title"/>
+          </p:nvPr>
+        </p:nvSpPr>
+        <p:spPr/>
+        <p:txBody>
+          <a:bodyPr/>
+          <a:lstStyle/>
+          <a:p>
+            <a:pPr algn="l"/>
+            <a:r>
+              <a:rPr lang="en-US" dirty="0" err="1"/>
+              <a:t>pivot_wider</a:t>
+            </a:r>
+            <a:r>
+              <a:rPr lang="en-US" dirty="0"/>
+              <a:t>()</a:t>
+            </a:r>
+          </a:p>
+        </p:txBody>
+      </p:sp>
+      <p:sp>
+        <p:nvSpPr>
+          <p:cNvPr id="8" name="TextBox 7">
+            <a:extLst>
+              <a:ext uri="{FF2B5EF4-FFF2-40B4-BE49-F238E27FC236}">
+                <a16:creationId xmlns:a16="http://schemas.microsoft.com/office/drawing/2014/main" id="{61923A5B-6188-2340-AF2E-D33BB6C039F8}"/>
+              </a:ext>
+            </a:extLst>
+          </p:cNvPr>
+          <p:cNvSpPr txBox="1"/>
+          <p:nvPr/>
+        </p:nvSpPr>
+        <p:spPr>
+          <a:xfrm>
+            <a:off x="537410" y="1305075"/>
+            <a:ext cx="7234989" cy="584775"/>
+          </a:xfrm>
+          <a:prstGeom prst="rect">
+            <a:avLst/>
+          </a:prstGeom>
+          <a:noFill/>
+        </p:spPr>
+        <p:txBody>
+          <a:bodyPr wrap="square">
+            <a:spAutoFit/>
+          </a:bodyPr>
+          <a:lstStyle/>
+          <a:p>
+            <a:r>
+              <a:rPr lang="en-US" sz="1600" dirty="0">
+                <a:latin typeface="Avenir Book" panose="02000503020000020003" pitchFamily="2" charset="0"/>
+              </a:rPr>
+              <a:t>table2 %&gt;%</a:t>
+            </a:r>
+          </a:p>
+          <a:p>
+            <a:r>
+              <a:rPr lang="en-US" sz="1600" dirty="0">
+                <a:latin typeface="Avenir Book" panose="02000503020000020003" pitchFamily="2" charset="0"/>
+              </a:rPr>
+              <a:t>    </a:t>
+            </a:r>
+            <a:r>
+              <a:rPr lang="en-US" sz="1600" dirty="0" err="1">
+                <a:latin typeface="Avenir Book" panose="02000503020000020003" pitchFamily="2" charset="0"/>
+              </a:rPr>
+              <a:t>pivot_wider</a:t>
+            </a:r>
+            <a:r>
+              <a:rPr lang="en-US" sz="1600" dirty="0">
+                <a:latin typeface="Avenir Book" panose="02000503020000020003" pitchFamily="2" charset="0"/>
+              </a:rPr>
+              <a:t>(</a:t>
+            </a:r>
+            <a:r>
+              <a:rPr lang="en-US" sz="1600" dirty="0" err="1">
+                <a:latin typeface="Avenir Book" panose="02000503020000020003" pitchFamily="2" charset="0"/>
+              </a:rPr>
+              <a:t>names_from</a:t>
+            </a:r>
+            <a:r>
+              <a:rPr lang="en-US" sz="1600" dirty="0">
+                <a:latin typeface="Avenir Book" panose="02000503020000020003" pitchFamily="2" charset="0"/>
+              </a:rPr>
+              <a:t> = type, </a:t>
+            </a:r>
+            <a:r>
+              <a:rPr lang="en-US" sz="1600" dirty="0" err="1">
+                <a:latin typeface="Avenir Book" panose="02000503020000020003" pitchFamily="2" charset="0"/>
+              </a:rPr>
+              <a:t>values_from</a:t>
+            </a:r>
+            <a:r>
+              <a:rPr lang="en-US" sz="1600" dirty="0">
+                <a:latin typeface="Avenir Book" panose="02000503020000020003" pitchFamily="2" charset="0"/>
+              </a:rPr>
+              <a:t> = count)</a:t>
+            </a:r>
+          </a:p>
+        </p:txBody>
+      </p:sp>
+      <p:pic>
+        <p:nvPicPr>
+          <p:cNvPr id="2050" name="Picture 2" descr="Pivoting `table2` into a &quot;wider&quot;, tidy form.">
+            <a:extLst>
+              <a:ext uri="{FF2B5EF4-FFF2-40B4-BE49-F238E27FC236}">
+                <a16:creationId xmlns:a16="http://schemas.microsoft.com/office/drawing/2014/main" id="{EE2D9176-B55D-354F-A29F-CB6F13FCDC62}"/>
+              </a:ext>
+            </a:extLst>
+          </p:cNvPr>
+          <p:cNvPicPr>
+            <a:picLocks noChangeAspect="1" noChangeArrowheads="1"/>
+          </p:cNvPicPr>
+          <p:nvPr/>
+        </p:nvPicPr>
+        <p:blipFill>
+          <a:blip r:embed="rId2">
+            <a:extLst>
+              <a:ext uri="{28A0092B-C50C-407E-A947-70E740481C1C}">
+                <a14:useLocalDpi xmlns:a14="http://schemas.microsoft.com/office/drawing/2010/main" val="0"/>
+              </a:ext>
+            </a:extLst>
+          </a:blip>
+          <a:srcRect/>
+          <a:stretch>
+            <a:fillRect/>
+          </a:stretch>
+        </p:blipFill>
+        <p:spPr bwMode="auto">
+          <a:xfrm>
+            <a:off x="2972200" y="2256591"/>
+            <a:ext cx="5714600" cy="2672766"/>
+          </a:xfrm>
+          <a:prstGeom prst="rect">
+            <a:avLst/>
+          </a:prstGeom>
+          <a:noFill/>
+          <a:extLst>
+            <a:ext uri="{909E8E84-426E-40DD-AFC4-6F175D3DCCD1}">
+              <a14:hiddenFill xmlns:a14="http://schemas.microsoft.com/office/drawing/2010/main">
+                <a:solidFill>
+                  <a:srgbClr val="FFFFFF"/>
+                </a:solidFill>
+              </a14:hiddenFill>
+            </a:ext>
+          </a:extLst>
+        </p:spPr>
+      </p:pic>
+    </p:spTree>
+    <p:extLst>
+      <p:ext uri="{BB962C8B-B14F-4D97-AF65-F5344CB8AC3E}">
+        <p14:creationId xmlns:p14="http://schemas.microsoft.com/office/powerpoint/2010/main" val="1023768401"/>
+      </p:ext>
+    </p:extLst>
+  </p:cSld>
+  <p:clrMapOvr>
+    <a:masterClrMapping/>
+  </p:clrMapOvr>
+</p:sld>
+</file>
+
+<file path=ppt/slides/slide11.xml><?xml version="1.0" encoding="utf-8"?>
+<p:sld xmlns:a="http://schemas.openxmlformats.org/drawingml/2006/main" xmlns:r="http://schemas.openxmlformats.org/officeDocument/2006/relationships" xmlns:p="http://schemas.openxmlformats.org/presentationml/2006/main">
+  <p:cSld>
+    <p:spTree>
+      <p:nvGrpSpPr>
+        <p:cNvPr id="1" name=""/>
+        <p:cNvGrpSpPr/>
+        <p:nvPr/>
+      </p:nvGrpSpPr>
+      <p:grpSpPr>
+        <a:xfrm>
+          <a:off x="0" y="0"/>
+          <a:ext cx="0" cy="0"/>
+          <a:chOff x="0" y="0"/>
+          <a:chExt cx="0" cy="0"/>
+        </a:xfrm>
+      </p:grpSpPr>
+      <p:sp>
+        <p:nvSpPr>
+          <p:cNvPr id="2" name="Title 1">
+            <a:extLst>
+              <a:ext uri="{FF2B5EF4-FFF2-40B4-BE49-F238E27FC236}">
+                <a16:creationId xmlns:a16="http://schemas.microsoft.com/office/drawing/2014/main" id="{8AFDD491-0015-C04A-B78B-04AB3ACB2BE1}"/>
+              </a:ext>
+            </a:extLst>
+          </p:cNvPr>
+          <p:cNvSpPr>
+            <a:spLocks noGrp="1"/>
+          </p:cNvSpPr>
+          <p:nvPr>
+            <p:ph type="title"/>
+          </p:nvPr>
+        </p:nvSpPr>
+        <p:spPr/>
+        <p:txBody>
+          <a:bodyPr/>
+          <a:lstStyle/>
+          <a:p>
+            <a:pPr algn="l"/>
+            <a:r>
+              <a:rPr lang="en-US" dirty="0"/>
+              <a:t>separate()</a:t>
+            </a:r>
+          </a:p>
+        </p:txBody>
+      </p:sp>
+      <p:sp>
+        <p:nvSpPr>
+          <p:cNvPr id="8" name="TextBox 7">
+            <a:extLst>
+              <a:ext uri="{FF2B5EF4-FFF2-40B4-BE49-F238E27FC236}">
+                <a16:creationId xmlns:a16="http://schemas.microsoft.com/office/drawing/2014/main" id="{61923A5B-6188-2340-AF2E-D33BB6C039F8}"/>
+              </a:ext>
+            </a:extLst>
+          </p:cNvPr>
+          <p:cNvSpPr txBox="1"/>
+          <p:nvPr/>
+        </p:nvSpPr>
+        <p:spPr>
+          <a:xfrm>
+            <a:off x="537410" y="1305075"/>
+            <a:ext cx="7234989" cy="584775"/>
+          </a:xfrm>
+          <a:prstGeom prst="rect">
+            <a:avLst/>
+          </a:prstGeom>
+          <a:noFill/>
+        </p:spPr>
+        <p:txBody>
+          <a:bodyPr wrap="square">
+            <a:spAutoFit/>
+          </a:bodyPr>
+          <a:lstStyle/>
+          <a:p>
+            <a:r>
+              <a:rPr lang="en-US" sz="1600" dirty="0">
+                <a:latin typeface="Avenir Book" panose="02000503020000020003" pitchFamily="2" charset="0"/>
+              </a:rPr>
+              <a:t>table3 %&gt;% </a:t>
+            </a:r>
+          </a:p>
+          <a:p>
+            <a:r>
+              <a:rPr lang="en-US" sz="1600" dirty="0">
+                <a:latin typeface="Avenir Book" panose="02000503020000020003" pitchFamily="2" charset="0"/>
+              </a:rPr>
+              <a:t>  separate(rate, into = c("cases", "population"))</a:t>
+            </a:r>
+          </a:p>
+        </p:txBody>
+      </p:sp>
+      <p:pic>
+        <p:nvPicPr>
+          <p:cNvPr id="2050" name="Picture 2" descr="Pivoting `table2` into a &quot;wider&quot;, tidy form.">
+            <a:extLst>
+              <a:ext uri="{FF2B5EF4-FFF2-40B4-BE49-F238E27FC236}">
+                <a16:creationId xmlns:a16="http://schemas.microsoft.com/office/drawing/2014/main" id="{EE2D9176-B55D-354F-A29F-CB6F13FCDC62}"/>
+              </a:ext>
+            </a:extLst>
+          </p:cNvPr>
+          <p:cNvPicPr>
+            <a:picLocks noChangeAspect="1" noChangeArrowheads="1"/>
+          </p:cNvPicPr>
+          <p:nvPr/>
+        </p:nvPicPr>
+        <p:blipFill>
+          <a:blip r:embed="rId2">
+            <a:extLst>
+              <a:ext uri="{28A0092B-C50C-407E-A947-70E740481C1C}">
+                <a14:useLocalDpi xmlns:a14="http://schemas.microsoft.com/office/drawing/2010/main" val="0"/>
+              </a:ext>
+            </a:extLst>
+          </a:blip>
+          <a:srcRect/>
+          <a:stretch>
+            <a:fillRect/>
+          </a:stretch>
+        </p:blipFill>
+        <p:spPr bwMode="auto">
+          <a:xfrm>
+            <a:off x="2972200" y="2256591"/>
+            <a:ext cx="5714600" cy="2672766"/>
+          </a:xfrm>
+          <a:prstGeom prst="rect">
+            <a:avLst/>
+          </a:prstGeom>
+          <a:noFill/>
+          <a:extLst>
+            <a:ext uri="{909E8E84-426E-40DD-AFC4-6F175D3DCCD1}">
+              <a14:hiddenFill xmlns:a14="http://schemas.microsoft.com/office/drawing/2010/main">
+                <a:solidFill>
+                  <a:srgbClr val="FFFFFF"/>
+                </a:solidFill>
+              </a14:hiddenFill>
+            </a:ext>
+          </a:extLst>
+        </p:spPr>
+      </p:pic>
+      <p:sp>
+        <p:nvSpPr>
+          <p:cNvPr id="6" name="TextBox 5">
+            <a:extLst>
+              <a:ext uri="{FF2B5EF4-FFF2-40B4-BE49-F238E27FC236}">
+                <a16:creationId xmlns:a16="http://schemas.microsoft.com/office/drawing/2014/main" id="{29E7B483-7B20-6241-A56E-6FC21845E66C}"/>
+              </a:ext>
+            </a:extLst>
+          </p:cNvPr>
+          <p:cNvSpPr txBox="1"/>
+          <p:nvPr/>
+        </p:nvSpPr>
+        <p:spPr>
+          <a:xfrm>
+            <a:off x="537410" y="3085142"/>
+            <a:ext cx="2434790" cy="1015663"/>
+          </a:xfrm>
+          <a:prstGeom prst="rect">
+            <a:avLst/>
+          </a:prstGeom>
+          <a:noFill/>
+        </p:spPr>
+        <p:txBody>
+          <a:bodyPr wrap="square">
+            <a:spAutoFit/>
+          </a:bodyPr>
+          <a:lstStyle/>
+          <a:p>
+            <a:r>
+              <a:rPr lang="en-US" sz="1200" b="0" i="0" dirty="0">
+                <a:solidFill>
+                  <a:srgbClr val="212529"/>
+                </a:solidFill>
+                <a:effectLst/>
+                <a:latin typeface="Avenir Book" panose="02000503020000020003" pitchFamily="2" charset="0"/>
+              </a:rPr>
+              <a:t>By default, </a:t>
+            </a:r>
+            <a:r>
+              <a:rPr lang="en-US" sz="1200" dirty="0">
+                <a:latin typeface="Avenir Book" panose="02000503020000020003" pitchFamily="2" charset="0"/>
+              </a:rPr>
+              <a:t>separate()</a:t>
+            </a:r>
+            <a:r>
+              <a:rPr lang="en-US" sz="1200" b="0" i="0" dirty="0">
+                <a:solidFill>
+                  <a:srgbClr val="212529"/>
+                </a:solidFill>
+                <a:effectLst/>
+                <a:latin typeface="Avenir Book" panose="02000503020000020003" pitchFamily="2" charset="0"/>
+              </a:rPr>
+              <a:t> will split values wherever it sees a non-alphanumeric character (i.e. a character that isn’t a number or letter)</a:t>
+            </a:r>
+            <a:endParaRPr lang="en-US" sz="1200" dirty="0">
+              <a:latin typeface="Avenir Book" panose="02000503020000020003" pitchFamily="2" charset="0"/>
+            </a:endParaRPr>
+          </a:p>
+        </p:txBody>
+      </p:sp>
+    </p:spTree>
+    <p:extLst>
+      <p:ext uri="{BB962C8B-B14F-4D97-AF65-F5344CB8AC3E}">
+        <p14:creationId xmlns:p14="http://schemas.microsoft.com/office/powerpoint/2010/main" val="630032765"/>
+      </p:ext>
+    </p:extLst>
+  </p:cSld>
+  <p:clrMapOvr>
+    <a:masterClrMapping/>
+  </p:clrMapOvr>
+</p:sld>
+</file>
+
+<file path=ppt/slides/slide12.xml><?xml version="1.0" encoding="utf-8"?>
+<p:sld xmlns:a="http://schemas.openxmlformats.org/drawingml/2006/main" xmlns:r="http://schemas.openxmlformats.org/officeDocument/2006/relationships" xmlns:p="http://schemas.openxmlformats.org/presentationml/2006/main">
+  <p:cSld>
+    <p:spTree>
+      <p:nvGrpSpPr>
+        <p:cNvPr id="1" name=""/>
+        <p:cNvGrpSpPr/>
+        <p:nvPr/>
+      </p:nvGrpSpPr>
+      <p:grpSpPr>
+        <a:xfrm>
+          <a:off x="0" y="0"/>
+          <a:ext cx="0" cy="0"/>
+          <a:chOff x="0" y="0"/>
+          <a:chExt cx="0" cy="0"/>
+        </a:xfrm>
+      </p:grpSpPr>
+      <p:sp>
+        <p:nvSpPr>
+          <p:cNvPr id="2" name="Title 1">
+            <a:extLst>
+              <a:ext uri="{FF2B5EF4-FFF2-40B4-BE49-F238E27FC236}">
+                <a16:creationId xmlns:a16="http://schemas.microsoft.com/office/drawing/2014/main" id="{AC37DB7B-F69F-FB43-97BA-FB98F6905E8C}"/>
+              </a:ext>
+            </a:extLst>
+          </p:cNvPr>
+          <p:cNvSpPr>
+            <a:spLocks noGrp="1"/>
+          </p:cNvSpPr>
+          <p:nvPr>
+            <p:ph type="title"/>
+          </p:nvPr>
+        </p:nvSpPr>
+        <p:spPr/>
+        <p:txBody>
+          <a:bodyPr/>
+          <a:lstStyle/>
+          <a:p>
+            <a:pPr algn="l"/>
+            <a:r>
+              <a:rPr lang="en-US" dirty="0"/>
+              <a:t>Exercise – LOTR data</a:t>
+            </a:r>
+          </a:p>
+        </p:txBody>
+      </p:sp>
+      <p:sp>
+        <p:nvSpPr>
+          <p:cNvPr id="3" name="Content Placeholder 2">
+            <a:extLst>
+              <a:ext uri="{FF2B5EF4-FFF2-40B4-BE49-F238E27FC236}">
+                <a16:creationId xmlns:a16="http://schemas.microsoft.com/office/drawing/2014/main" id="{22A9FF0B-7B30-694D-8952-751C83952364}"/>
+              </a:ext>
+            </a:extLst>
+          </p:cNvPr>
+          <p:cNvSpPr>
+            <a:spLocks noGrp="1"/>
+          </p:cNvSpPr>
+          <p:nvPr>
+            <p:ph idx="1"/>
+          </p:nvPr>
+        </p:nvSpPr>
+        <p:spPr>
+          <a:xfrm>
+            <a:off x="457200" y="1543049"/>
+            <a:ext cx="8229600" cy="3394472"/>
+          </a:xfrm>
+        </p:spPr>
+        <p:txBody>
+          <a:bodyPr>
+            <a:normAutofit/>
+          </a:bodyPr>
+          <a:lstStyle/>
+          <a:p>
+            <a:pPr marL="457200" indent="-457200">
+              <a:buFont typeface="+mj-lt"/>
+              <a:buAutoNum type="arabicPeriod"/>
+            </a:pPr>
+            <a:r>
+              <a:rPr lang="en-US" sz="2200" dirty="0"/>
+              <a:t>After tidying the data and completing your analysis, you may want to output a table that has each race in its own column. Let’s use the </a:t>
+            </a:r>
+            <a:r>
+              <a:rPr lang="en-US" sz="2200" dirty="0" err="1"/>
+              <a:t>pivot_wider</a:t>
+            </a:r>
+            <a:r>
+              <a:rPr lang="en-US" sz="2200" dirty="0"/>
+              <a:t>() function to make such a table and save it as “</a:t>
+            </a:r>
+            <a:r>
+              <a:rPr lang="en-US" sz="2200" dirty="0" err="1"/>
+              <a:t>lotr_wide</a:t>
+            </a:r>
+            <a:r>
+              <a:rPr lang="en-US" sz="2200" dirty="0"/>
+              <a:t>”</a:t>
+            </a:r>
+            <a:br>
+              <a:rPr lang="en-US" sz="2200" dirty="0"/>
+            </a:br>
+            <a:endParaRPr lang="en-US" sz="2200" dirty="0"/>
+          </a:p>
+          <a:p>
+            <a:pPr marL="457200" indent="-457200">
+              <a:buFont typeface="+mj-lt"/>
+              <a:buAutoNum type="arabicPeriod"/>
+            </a:pPr>
+            <a:r>
+              <a:rPr lang="en-US" sz="2200" dirty="0"/>
+              <a:t>OPTIONAL: Use the </a:t>
+            </a:r>
+            <a:r>
+              <a:rPr lang="en-US" sz="2200" dirty="0" err="1"/>
+              <a:t>pivot_longer</a:t>
+            </a:r>
+            <a:r>
+              <a:rPr lang="en-US" sz="2200" dirty="0"/>
+              <a:t>() function to transform you </a:t>
+            </a:r>
+            <a:r>
+              <a:rPr lang="en-US" sz="2200" dirty="0" err="1"/>
+              <a:t>lotr_wide</a:t>
+            </a:r>
+            <a:r>
+              <a:rPr lang="en-US" sz="2200" dirty="0"/>
+              <a:t> back to tidy format.</a:t>
+            </a:r>
+          </a:p>
+          <a:p>
+            <a:pPr marL="0" indent="0">
+              <a:buNone/>
+            </a:pPr>
+            <a:br>
+              <a:rPr lang="en-US" sz="2200" dirty="0"/>
+            </a:br>
+            <a:endParaRPr lang="en-US" sz="2200" dirty="0"/>
+          </a:p>
+          <a:p>
+            <a:endParaRPr lang="en-US" sz="2200" dirty="0"/>
+          </a:p>
+        </p:txBody>
+      </p:sp>
+    </p:spTree>
+    <p:extLst>
+      <p:ext uri="{BB962C8B-B14F-4D97-AF65-F5344CB8AC3E}">
+        <p14:creationId xmlns:p14="http://schemas.microsoft.com/office/powerpoint/2010/main" val="1014736989"/>
+      </p:ext>
+    </p:extLst>
+  </p:cSld>
+  <p:clrMapOvr>
+    <a:masterClrMapping/>
+  </p:clrMapOvr>
+</p:sld>
+</file>
+
+<file path=ppt/slides/slide13.xml><?xml version="1.0" encoding="utf-8"?>
+<p:sld xmlns:a="http://schemas.openxmlformats.org/drawingml/2006/main" xmlns:r="http://schemas.openxmlformats.org/officeDocument/2006/relationships" xmlns:p="http://schemas.openxmlformats.org/presentationml/2006/main">
+  <p:cSld>
+    <p:spTree>
+      <p:nvGrpSpPr>
+        <p:cNvPr id="1" name=""/>
+        <p:cNvGrpSpPr/>
+        <p:nvPr/>
+      </p:nvGrpSpPr>
+      <p:grpSpPr>
+        <a:xfrm>
+          <a:off x="0" y="0"/>
+          <a:ext cx="0" cy="0"/>
+          <a:chOff x="0" y="0"/>
+          <a:chExt cx="0" cy="0"/>
+        </a:xfrm>
+      </p:grpSpPr>
+      <p:sp>
+        <p:nvSpPr>
+          <p:cNvPr id="2" name="Title 1">
+            <a:extLst>
+              <a:ext uri="{FF2B5EF4-FFF2-40B4-BE49-F238E27FC236}">
+                <a16:creationId xmlns:a16="http://schemas.microsoft.com/office/drawing/2014/main" id="{A92EDA2D-3043-C1F5-85E8-78160CE274F4}"/>
+              </a:ext>
+            </a:extLst>
+          </p:cNvPr>
+          <p:cNvSpPr>
+            <a:spLocks noGrp="1"/>
+          </p:cNvSpPr>
+          <p:nvPr>
+            <p:ph type="title"/>
+          </p:nvPr>
+        </p:nvSpPr>
+        <p:spPr/>
+        <p:txBody>
+          <a:bodyPr/>
+          <a:lstStyle/>
+          <a:p>
+            <a:pPr algn="l"/>
+            <a:r>
+              <a:rPr lang="en-US" dirty="0"/>
+              <a:t>Exercise</a:t>
+            </a:r>
+          </a:p>
+        </p:txBody>
+      </p:sp>
+      <p:sp>
+        <p:nvSpPr>
+          <p:cNvPr id="3" name="Content Placeholder 2">
+            <a:extLst>
+              <a:ext uri="{FF2B5EF4-FFF2-40B4-BE49-F238E27FC236}">
+                <a16:creationId xmlns:a16="http://schemas.microsoft.com/office/drawing/2014/main" id="{47379D9A-36CD-3730-5CA7-28CD12F5FD4D}"/>
+              </a:ext>
+            </a:extLst>
+          </p:cNvPr>
+          <p:cNvSpPr>
+            <a:spLocks noGrp="1"/>
+          </p:cNvSpPr>
+          <p:nvPr>
+            <p:ph idx="1"/>
+          </p:nvPr>
+        </p:nvSpPr>
+        <p:spPr/>
+        <p:txBody>
+          <a:bodyPr/>
+          <a:lstStyle/>
+          <a:p>
+            <a:r>
+              <a:rPr lang="en-US" dirty="0"/>
+              <a:t>Make a </a:t>
+            </a:r>
+            <a:r>
+              <a:rPr lang="en-US" dirty="0" err="1"/>
+              <a:t>barchart</a:t>
+            </a:r>
+            <a:r>
+              <a:rPr lang="en-US" dirty="0"/>
+              <a:t> that shows how many words are spoken by males and females in each of the movies.</a:t>
+            </a:r>
+          </a:p>
+          <a:p>
+            <a:endParaRPr lang="en-US" dirty="0"/>
+          </a:p>
+          <a:p>
+            <a:pPr lvl="1"/>
+            <a:r>
+              <a:rPr lang="en-US" dirty="0"/>
+              <a:t>First with the tidy dataset</a:t>
+            </a:r>
+          </a:p>
+          <a:p>
+            <a:pPr lvl="1"/>
+            <a:endParaRPr lang="en-US" dirty="0"/>
+          </a:p>
+          <a:p>
+            <a:pPr lvl="1"/>
+            <a:r>
+              <a:rPr lang="en-US" dirty="0"/>
+              <a:t>Then with the wider dataset you just created (with Male and Female word counts in different columns)</a:t>
+            </a:r>
+          </a:p>
+        </p:txBody>
+      </p:sp>
+    </p:spTree>
+    <p:extLst>
+      <p:ext uri="{BB962C8B-B14F-4D97-AF65-F5344CB8AC3E}">
+        <p14:creationId xmlns:p14="http://schemas.microsoft.com/office/powerpoint/2010/main" val="3287973042"/>
+      </p:ext>
+    </p:extLst>
+  </p:cSld>
+  <p:clrMapOvr>
+    <a:masterClrMapping/>
+  </p:clrMapOvr>
+</p:sld>
+</file>
+
+<file path=ppt/slides/slide14.xml><?xml version="1.0" encoding="utf-8"?>
+<p:sld xmlns:a="http://schemas.openxmlformats.org/drawingml/2006/main" xmlns:r="http://schemas.openxmlformats.org/officeDocument/2006/relationships" xmlns:p="http://schemas.openxmlformats.org/presentationml/2006/main">
+  <p:cSld>
+    <p:spTree>
+      <p:nvGrpSpPr>
+        <p:cNvPr id="1" name=""/>
+        <p:cNvGrpSpPr/>
+        <p:nvPr/>
+      </p:nvGrpSpPr>
+      <p:grpSpPr>
+        <a:xfrm>
+          <a:off x="0" y="0"/>
+          <a:ext cx="0" cy="0"/>
+          <a:chOff x="0" y="0"/>
+          <a:chExt cx="0" cy="0"/>
+        </a:xfrm>
+      </p:grpSpPr>
+      <p:sp>
+        <p:nvSpPr>
+          <p:cNvPr id="2" name="Title 1">
+            <a:extLst>
+              <a:ext uri="{FF2B5EF4-FFF2-40B4-BE49-F238E27FC236}">
                 <a16:creationId xmlns:a16="http://schemas.microsoft.com/office/drawing/2014/main" id="{76116AF2-2DDB-C441-89ED-FE02AF9A90A8}"/>
               </a:ext>
             </a:extLst>
@@ -3327,7 +4008,85 @@
           <a:bodyPr/>
           <a:lstStyle/>
           <a:p>
-            <a:endParaRPr lang="en-US"/>
+            <a:r>
+              <a:rPr lang="en-US" dirty="0"/>
+              <a:t>Describe the concept of tidy data</a:t>
+            </a:r>
+          </a:p>
+          <a:p>
+            <a:r>
+              <a:rPr lang="en-US" dirty="0"/>
+              <a:t>Determine whether a dataset is in tidy format</a:t>
+            </a:r>
+          </a:p>
+          <a:p>
+            <a:r>
+              <a:rPr lang="en-US" dirty="0"/>
+              <a:t>Use </a:t>
+            </a:r>
+            <a:r>
+              <a:rPr lang="en-US" dirty="0" err="1"/>
+              <a:t>tidyr</a:t>
+            </a:r>
+            <a:r>
+              <a:rPr lang="en-US" dirty="0"/>
+              <a:t>::</a:t>
+            </a:r>
+            <a:r>
+              <a:rPr lang="en-US" dirty="0" err="1"/>
+              <a:t>pivot_wider</a:t>
+            </a:r>
+            <a:r>
+              <a:rPr lang="en-US" dirty="0"/>
+              <a:t>() and </a:t>
+            </a:r>
+            <a:r>
+              <a:rPr lang="en-US" dirty="0" err="1"/>
+              <a:t>tidyr</a:t>
+            </a:r>
+            <a:r>
+              <a:rPr lang="en-US" dirty="0"/>
+              <a:t>::</a:t>
+            </a:r>
+            <a:r>
+              <a:rPr lang="en-US" dirty="0" err="1"/>
+              <a:t>pivot_longer</a:t>
+            </a:r>
+            <a:r>
+              <a:rPr lang="en-US" dirty="0"/>
+              <a:t>() to reshape data frames</a:t>
+            </a:r>
+          </a:p>
+          <a:p>
+            <a:r>
+              <a:rPr lang="en-US" dirty="0"/>
+              <a:t>Use </a:t>
+            </a:r>
+            <a:r>
+              <a:rPr lang="en-US" dirty="0" err="1"/>
+              <a:t>tidyr</a:t>
+            </a:r>
+            <a:r>
+              <a:rPr lang="en-US" dirty="0"/>
+              <a:t>::unite() and </a:t>
+            </a:r>
+            <a:r>
+              <a:rPr lang="en-US" dirty="0" err="1"/>
+              <a:t>tidyr</a:t>
+            </a:r>
+            <a:r>
+              <a:rPr lang="en-US" dirty="0"/>
+              <a:t>::separate() to merge or separate information from different columns</a:t>
+            </a:r>
+          </a:p>
+          <a:p>
+            <a:endParaRPr lang="en-US" dirty="0"/>
+          </a:p>
+          <a:p>
+            <a:endParaRPr lang="en-US" dirty="0"/>
+          </a:p>
+          <a:p>
+            <a:endParaRPr lang="en-US" dirty="0"/>
           </a:p>
         </p:txBody>
       </p:sp>
@@ -3345,6 +4104,161 @@
 </file>
 
 <file path=ppt/slides/slide3.xml><?xml version="1.0" encoding="utf-8"?>
+<p:sld xmlns:a="http://schemas.openxmlformats.org/drawingml/2006/main" xmlns:r="http://schemas.openxmlformats.org/officeDocument/2006/relationships" xmlns:p="http://schemas.openxmlformats.org/presentationml/2006/main">
+  <p:cSld>
+    <p:spTree>
+      <p:nvGrpSpPr>
+        <p:cNvPr id="1" name=""/>
+        <p:cNvGrpSpPr/>
+        <p:nvPr/>
+      </p:nvGrpSpPr>
+      <p:grpSpPr>
+        <a:xfrm>
+          <a:off x="0" y="0"/>
+          <a:ext cx="0" cy="0"/>
+          <a:chOff x="0" y="0"/>
+          <a:chExt cx="0" cy="0"/>
+        </a:xfrm>
+      </p:grpSpPr>
+      <p:sp>
+        <p:nvSpPr>
+          <p:cNvPr id="2" name="Title 1">
+            <a:extLst>
+              <a:ext uri="{FF2B5EF4-FFF2-40B4-BE49-F238E27FC236}">
+                <a16:creationId xmlns:a16="http://schemas.microsoft.com/office/drawing/2014/main" id="{C4F4BF4B-96F9-D385-1EDA-17D00FF93D26}"/>
+              </a:ext>
+            </a:extLst>
+          </p:cNvPr>
+          <p:cNvSpPr>
+            <a:spLocks noGrp="1"/>
+          </p:cNvSpPr>
+          <p:nvPr>
+            <p:ph type="title"/>
+          </p:nvPr>
+        </p:nvSpPr>
+        <p:spPr>
+          <a:xfrm>
+            <a:off x="457199" y="205979"/>
+            <a:ext cx="8347841" cy="857250"/>
+          </a:xfrm>
+        </p:spPr>
+        <p:txBody>
+          <a:bodyPr>
+            <a:normAutofit/>
+          </a:bodyPr>
+          <a:lstStyle/>
+          <a:p>
+            <a:pPr algn="l"/>
+            <a:r>
+              <a:rPr lang="en-US" sz="2800" dirty="0"/>
+              <a:t>Three inter-related rules that make a dataset tidy:</a:t>
+            </a:r>
+          </a:p>
+        </p:txBody>
+      </p:sp>
+      <p:sp>
+        <p:nvSpPr>
+          <p:cNvPr id="3" name="Content Placeholder 2">
+            <a:extLst>
+              <a:ext uri="{FF2B5EF4-FFF2-40B4-BE49-F238E27FC236}">
+                <a16:creationId xmlns:a16="http://schemas.microsoft.com/office/drawing/2014/main" id="{8A04738A-E40A-EAFE-4D19-067E2CECE429}"/>
+              </a:ext>
+            </a:extLst>
+          </p:cNvPr>
+          <p:cNvSpPr>
+            <a:spLocks noGrp="1"/>
+          </p:cNvSpPr>
+          <p:nvPr>
+            <p:ph idx="1"/>
+          </p:nvPr>
+        </p:nvSpPr>
+        <p:spPr/>
+        <p:txBody>
+          <a:bodyPr>
+            <a:normAutofit/>
+          </a:bodyPr>
+          <a:lstStyle/>
+          <a:p>
+            <a:r>
+              <a:rPr lang="en-US" sz="2000" dirty="0"/>
+              <a:t>Each variable is a column; each column is a variable.</a:t>
+            </a:r>
+          </a:p>
+          <a:p>
+            <a:r>
+              <a:rPr lang="en-US" sz="2000" dirty="0"/>
+              <a:t>Each observation is a row; each row is an observation.</a:t>
+            </a:r>
+          </a:p>
+          <a:p>
+            <a:r>
+              <a:rPr lang="en-US" sz="2000" dirty="0"/>
+              <a:t>Each value is a cell; each cell is a single value.</a:t>
+            </a:r>
+          </a:p>
+        </p:txBody>
+      </p:sp>
+      <p:pic>
+        <p:nvPicPr>
+          <p:cNvPr id="2050" name="Picture 2" descr="Three panels, each representing a tidy data frame. The first panel shows that each variable is a column. The second panel shows that each observation is a row. The third panel shows that each value is a cell.">
+            <a:extLst>
+              <a:ext uri="{FF2B5EF4-FFF2-40B4-BE49-F238E27FC236}">
+                <a16:creationId xmlns:a16="http://schemas.microsoft.com/office/drawing/2014/main" id="{8633B38F-9891-29D9-40C7-7537EEECCF99}"/>
+              </a:ext>
+            </a:extLst>
+          </p:cNvPr>
+          <p:cNvPicPr>
+            <a:picLocks noChangeAspect="1" noChangeArrowheads="1"/>
+          </p:cNvPicPr>
+          <p:nvPr/>
+        </p:nvPicPr>
+        <p:blipFill>
+          <a:blip r:embed="rId2">
+            <a:extLst>
+              <a:ext uri="{28A0092B-C50C-407E-A947-70E740481C1C}">
+                <a14:useLocalDpi xmlns:a14="http://schemas.microsoft.com/office/drawing/2010/main" val="0"/>
+              </a:ext>
+            </a:extLst>
+          </a:blip>
+          <a:srcRect/>
+          <a:stretch>
+            <a:fillRect/>
+          </a:stretch>
+        </p:blipFill>
+        <p:spPr bwMode="auto">
+          <a:xfrm>
+            <a:off x="457199" y="2679564"/>
+            <a:ext cx="6566338" cy="2051981"/>
+          </a:xfrm>
+          <a:prstGeom prst="rect">
+            <a:avLst/>
+          </a:prstGeom>
+          <a:noFill/>
+          <a:extLst>
+            <a:ext uri="{909E8E84-426E-40DD-AFC4-6F175D3DCCD1}">
+              <a14:hiddenFill xmlns:a14="http://schemas.microsoft.com/office/drawing/2010/main">
+                <a:solidFill>
+                  <a:srgbClr val="FFFFFF"/>
+                </a:solidFill>
+              </a14:hiddenFill>
+            </a:ext>
+          </a:extLst>
+        </p:spPr>
+      </p:pic>
+    </p:spTree>
+    <p:extLst>
+      <p:ext uri="{BB962C8B-B14F-4D97-AF65-F5344CB8AC3E}">
+        <p14:creationId xmlns:p14="http://schemas.microsoft.com/office/powerpoint/2010/main" val="1047429344"/>
+      </p:ext>
+    </p:extLst>
+  </p:cSld>
+  <p:clrMapOvr>
+    <a:masterClrMapping/>
+  </p:clrMapOvr>
+</p:sld>
+</file>
+
+<file path=ppt/slides/slide4.xml><?xml version="1.0" encoding="utf-8"?>
 <p:sld xmlns:a="http://schemas.openxmlformats.org/drawingml/2006/main" xmlns:r="http://schemas.openxmlformats.org/officeDocument/2006/relationships" xmlns:p="http://schemas.openxmlformats.org/presentationml/2006/main">
   <p:cSld>
     <p:spTree>
@@ -3634,7 +4548,7 @@
 </p:sld>
 </file>
 
-<file path=ppt/slides/slide4.xml><?xml version="1.0" encoding="utf-8"?>
+<file path=ppt/slides/slide5.xml><?xml version="1.0" encoding="utf-8"?>
 <p:sld xmlns:a="http://schemas.openxmlformats.org/drawingml/2006/main" xmlns:r="http://schemas.openxmlformats.org/officeDocument/2006/relationships" xmlns:p="http://schemas.openxmlformats.org/presentationml/2006/main">
   <p:cSld>
     <p:spTree>
@@ -4144,7 +5058,7 @@
 </p:sld>
 </file>
 
-<file path=ppt/slides/slide5.xml><?xml version="1.0" encoding="utf-8"?>
+<file path=ppt/slides/slide6.xml><?xml version="1.0" encoding="utf-8"?>
 <p:sld xmlns:a="http://schemas.openxmlformats.org/drawingml/2006/main" xmlns:r="http://schemas.openxmlformats.org/officeDocument/2006/relationships" xmlns:p="http://schemas.openxmlformats.org/presentationml/2006/main">
   <p:cSld>
     <p:spTree>
@@ -4297,7 +5211,207 @@
 </p:sld>
 </file>
 
-<file path=ppt/slides/slide6.xml><?xml version="1.0" encoding="utf-8"?>
+<file path=ppt/slides/slide7.xml><?xml version="1.0" encoding="utf-8"?>
+<p:sld xmlns:a="http://schemas.openxmlformats.org/drawingml/2006/main" xmlns:r="http://schemas.openxmlformats.org/officeDocument/2006/relationships" xmlns:p="http://schemas.openxmlformats.org/presentationml/2006/main">
+  <p:cSld>
+    <p:spTree>
+      <p:nvGrpSpPr>
+        <p:cNvPr id="1" name=""/>
+        <p:cNvGrpSpPr/>
+        <p:nvPr/>
+      </p:nvGrpSpPr>
+      <p:grpSpPr>
+        <a:xfrm>
+          <a:off x="0" y="0"/>
+          <a:ext cx="0" cy="0"/>
+          <a:chOff x="0" y="0"/>
+          <a:chExt cx="0" cy="0"/>
+        </a:xfrm>
+      </p:grpSpPr>
+      <p:sp>
+        <p:nvSpPr>
+          <p:cNvPr id="5" name="TextBox 4">
+            <a:extLst>
+              <a:ext uri="{FF2B5EF4-FFF2-40B4-BE49-F238E27FC236}">
+                <a16:creationId xmlns:a16="http://schemas.microsoft.com/office/drawing/2014/main" id="{BA75DFF7-E0E7-8FFE-4059-265BDFD1AEC7}"/>
+              </a:ext>
+            </a:extLst>
+          </p:cNvPr>
+          <p:cNvSpPr txBox="1"/>
+          <p:nvPr/>
+        </p:nvSpPr>
+        <p:spPr>
+          <a:xfrm>
+            <a:off x="772510" y="1466523"/>
+            <a:ext cx="7370379" cy="1815882"/>
+          </a:xfrm>
+          <a:prstGeom prst="rect">
+            <a:avLst/>
+          </a:prstGeom>
+          <a:noFill/>
+        </p:spPr>
+        <p:txBody>
+          <a:bodyPr wrap="square">
+            <a:spAutoFit/>
+          </a:bodyPr>
+          <a:lstStyle/>
+          <a:p>
+            <a:r>
+              <a:rPr lang="en-US" sz="2800" b="0" i="0" dirty="0">
+                <a:solidFill>
+                  <a:srgbClr val="333333"/>
+                </a:solidFill>
+                <a:effectLst/>
+                <a:latin typeface="Helvetica Neue" panose="02000503000000020004" pitchFamily="2" charset="0"/>
+              </a:rPr>
+              <a:t>If I had one thing to tell biologists learning bioinformatics, it would be “write code for humans, write data for computers” </a:t>
+            </a:r>
+          </a:p>
+          <a:p>
+            <a:r>
+              <a:rPr lang="en-US" sz="2800" b="0" i="0" dirty="0">
+                <a:solidFill>
+                  <a:srgbClr val="333333"/>
+                </a:solidFill>
+                <a:effectLst/>
+                <a:latin typeface="Helvetica Neue" panose="02000503000000020004" pitchFamily="2" charset="0"/>
+              </a:rPr>
+              <a:t>— Vince Buffalo (@</a:t>
+            </a:r>
+            <a:r>
+              <a:rPr lang="en-US" sz="2800" b="0" i="0" dirty="0" err="1">
+                <a:solidFill>
+                  <a:srgbClr val="333333"/>
+                </a:solidFill>
+                <a:effectLst/>
+                <a:latin typeface="Helvetica Neue" panose="02000503000000020004" pitchFamily="2" charset="0"/>
+              </a:rPr>
+              <a:t>vsbuffalo</a:t>
+            </a:r>
+            <a:r>
+              <a:rPr lang="en-US" sz="2800" b="0" i="0" dirty="0">
+                <a:solidFill>
+                  <a:srgbClr val="333333"/>
+                </a:solidFill>
+                <a:effectLst/>
+                <a:latin typeface="Helvetica Neue" panose="02000503000000020004" pitchFamily="2" charset="0"/>
+              </a:rPr>
+              <a:t>)</a:t>
+            </a:r>
+            <a:endParaRPr lang="en-US" sz="2800" dirty="0"/>
+          </a:p>
+        </p:txBody>
+      </p:sp>
+    </p:spTree>
+    <p:extLst>
+      <p:ext uri="{BB962C8B-B14F-4D97-AF65-F5344CB8AC3E}">
+        <p14:creationId xmlns:p14="http://schemas.microsoft.com/office/powerpoint/2010/main" val="3085358611"/>
+      </p:ext>
+    </p:extLst>
+  </p:cSld>
+  <p:clrMapOvr>
+    <a:masterClrMapping/>
+  </p:clrMapOvr>
+</p:sld>
+</file>
+
+<file path=ppt/slides/slide8.xml><?xml version="1.0" encoding="utf-8"?>
+<p:sld xmlns:a="http://schemas.openxmlformats.org/drawingml/2006/main" xmlns:r="http://schemas.openxmlformats.org/officeDocument/2006/relationships" xmlns:p="http://schemas.openxmlformats.org/presentationml/2006/main">
+  <p:cSld>
+    <p:spTree>
+      <p:nvGrpSpPr>
+        <p:cNvPr id="1" name=""/>
+        <p:cNvGrpSpPr/>
+        <p:nvPr/>
+      </p:nvGrpSpPr>
+      <p:grpSpPr>
+        <a:xfrm>
+          <a:off x="0" y="0"/>
+          <a:ext cx="0" cy="0"/>
+          <a:chOff x="0" y="0"/>
+          <a:chExt cx="0" cy="0"/>
+        </a:xfrm>
+      </p:grpSpPr>
+      <p:sp>
+        <p:nvSpPr>
+          <p:cNvPr id="2" name="Title 1">
+            <a:extLst>
+              <a:ext uri="{FF2B5EF4-FFF2-40B4-BE49-F238E27FC236}">
+                <a16:creationId xmlns:a16="http://schemas.microsoft.com/office/drawing/2014/main" id="{22B786A2-7B81-6671-E5B4-569C207DF24A}"/>
+              </a:ext>
+            </a:extLst>
+          </p:cNvPr>
+          <p:cNvSpPr>
+            <a:spLocks noGrp="1"/>
+          </p:cNvSpPr>
+          <p:nvPr>
+            <p:ph type="title"/>
+          </p:nvPr>
+        </p:nvSpPr>
+        <p:spPr/>
+        <p:txBody>
+          <a:bodyPr/>
+          <a:lstStyle/>
+          <a:p>
+            <a:pPr algn="l"/>
+            <a:r>
+              <a:rPr lang="en-US" dirty="0"/>
+              <a:t>Common problems</a:t>
+            </a:r>
+          </a:p>
+        </p:txBody>
+      </p:sp>
+      <p:sp>
+        <p:nvSpPr>
+          <p:cNvPr id="3" name="Content Placeholder 2">
+            <a:extLst>
+              <a:ext uri="{FF2B5EF4-FFF2-40B4-BE49-F238E27FC236}">
+                <a16:creationId xmlns:a16="http://schemas.microsoft.com/office/drawing/2014/main" id="{ED4D6A95-275A-ED3E-85DD-6A19E4DCFCA9}"/>
+              </a:ext>
+            </a:extLst>
+          </p:cNvPr>
+          <p:cNvSpPr>
+            <a:spLocks noGrp="1"/>
+          </p:cNvSpPr>
+          <p:nvPr>
+            <p:ph idx="1"/>
+          </p:nvPr>
+        </p:nvSpPr>
+        <p:spPr/>
+        <p:txBody>
+          <a:bodyPr/>
+          <a:lstStyle/>
+          <a:p>
+            <a:r>
+              <a:rPr lang="en-US" dirty="0"/>
+              <a:t>One variable might be spread across multiple columns and sometimes values have ended up in column names</a:t>
+            </a:r>
+          </a:p>
+          <a:p>
+            <a:endParaRPr lang="en-US" dirty="0"/>
+          </a:p>
+          <a:p>
+            <a:r>
+              <a:rPr lang="en-US" dirty="0"/>
+              <a:t>One observation is spread across multiple rows</a:t>
+            </a:r>
+          </a:p>
+        </p:txBody>
+      </p:sp>
+    </p:spTree>
+    <p:extLst>
+      <p:ext uri="{BB962C8B-B14F-4D97-AF65-F5344CB8AC3E}">
+        <p14:creationId xmlns:p14="http://schemas.microsoft.com/office/powerpoint/2010/main" val="3956070857"/>
+      </p:ext>
+    </p:extLst>
+  </p:cSld>
+  <p:clrMapOvr>
+    <a:masterClrMapping/>
+  </p:clrMapOvr>
+</p:sld>
+</file>
+
+<file path=ppt/slides/slide9.xml><?xml version="1.0" encoding="utf-8"?>
 <p:sld xmlns:a="http://schemas.openxmlformats.org/drawingml/2006/main" xmlns:r="http://schemas.openxmlformats.org/officeDocument/2006/relationships" xmlns:p="http://schemas.openxmlformats.org/presentationml/2006/main">
   <p:cSld>
     <p:spTree>
@@ -4479,564 +5593,6 @@
     <p:extLst>
       <p:ext uri="{BB962C8B-B14F-4D97-AF65-F5344CB8AC3E}">
         <p14:creationId xmlns:p14="http://schemas.microsoft.com/office/powerpoint/2010/main" val="1477975852"/>
-      </p:ext>
-    </p:extLst>
-  </p:cSld>
-  <p:clrMapOvr>
-    <a:masterClrMapping/>
-  </p:clrMapOvr>
-</p:sld>
-</file>
-
-<file path=ppt/slides/slide7.xml><?xml version="1.0" encoding="utf-8"?>
-<p:sld xmlns:a="http://schemas.openxmlformats.org/drawingml/2006/main" xmlns:r="http://schemas.openxmlformats.org/officeDocument/2006/relationships" xmlns:p="http://schemas.openxmlformats.org/presentationml/2006/main">
-  <p:cSld>
-    <p:spTree>
-      <p:nvGrpSpPr>
-        <p:cNvPr id="1" name=""/>
-        <p:cNvGrpSpPr/>
-        <p:nvPr/>
-      </p:nvGrpSpPr>
-      <p:grpSpPr>
-        <a:xfrm>
-          <a:off x="0" y="0"/>
-          <a:ext cx="0" cy="0"/>
-          <a:chOff x="0" y="0"/>
-          <a:chExt cx="0" cy="0"/>
-        </a:xfrm>
-      </p:grpSpPr>
-      <p:sp>
-        <p:nvSpPr>
-          <p:cNvPr id="2" name="Title 1">
-            <a:extLst>
-              <a:ext uri="{FF2B5EF4-FFF2-40B4-BE49-F238E27FC236}">
-                <a16:creationId xmlns:a16="http://schemas.microsoft.com/office/drawing/2014/main" id="{8AFDD491-0015-C04A-B78B-04AB3ACB2BE1}"/>
-              </a:ext>
-            </a:extLst>
-          </p:cNvPr>
-          <p:cNvSpPr>
-            <a:spLocks noGrp="1"/>
-          </p:cNvSpPr>
-          <p:nvPr>
-            <p:ph type="title"/>
-          </p:nvPr>
-        </p:nvSpPr>
-        <p:spPr/>
-        <p:txBody>
-          <a:bodyPr/>
-          <a:lstStyle/>
-          <a:p>
-            <a:pPr algn="l"/>
-            <a:r>
-              <a:rPr lang="en-US" dirty="0" err="1"/>
-              <a:t>pivot_wider</a:t>
-            </a:r>
-            <a:r>
-              <a:rPr lang="en-US" dirty="0"/>
-              <a:t>()</a:t>
-            </a:r>
-          </a:p>
-        </p:txBody>
-      </p:sp>
-      <p:sp>
-        <p:nvSpPr>
-          <p:cNvPr id="8" name="TextBox 7">
-            <a:extLst>
-              <a:ext uri="{FF2B5EF4-FFF2-40B4-BE49-F238E27FC236}">
-                <a16:creationId xmlns:a16="http://schemas.microsoft.com/office/drawing/2014/main" id="{61923A5B-6188-2340-AF2E-D33BB6C039F8}"/>
-              </a:ext>
-            </a:extLst>
-          </p:cNvPr>
-          <p:cNvSpPr txBox="1"/>
-          <p:nvPr/>
-        </p:nvSpPr>
-        <p:spPr>
-          <a:xfrm>
-            <a:off x="537410" y="1305075"/>
-            <a:ext cx="7234989" cy="584775"/>
-          </a:xfrm>
-          <a:prstGeom prst="rect">
-            <a:avLst/>
-          </a:prstGeom>
-          <a:noFill/>
-        </p:spPr>
-        <p:txBody>
-          <a:bodyPr wrap="square">
-            <a:spAutoFit/>
-          </a:bodyPr>
-          <a:lstStyle/>
-          <a:p>
-            <a:r>
-              <a:rPr lang="en-US" sz="1600" dirty="0">
-                <a:latin typeface="Avenir Book" panose="02000503020000020003" pitchFamily="2" charset="0"/>
-              </a:rPr>
-              <a:t>table2 %&gt;%</a:t>
-            </a:r>
-          </a:p>
-          <a:p>
-            <a:r>
-              <a:rPr lang="en-US" sz="1600" dirty="0">
-                <a:latin typeface="Avenir Book" panose="02000503020000020003" pitchFamily="2" charset="0"/>
-              </a:rPr>
-              <a:t>    </a:t>
-            </a:r>
-            <a:r>
-              <a:rPr lang="en-US" sz="1600" dirty="0" err="1">
-                <a:latin typeface="Avenir Book" panose="02000503020000020003" pitchFamily="2" charset="0"/>
-              </a:rPr>
-              <a:t>pivot_wider</a:t>
-            </a:r>
-            <a:r>
-              <a:rPr lang="en-US" sz="1600" dirty="0">
-                <a:latin typeface="Avenir Book" panose="02000503020000020003" pitchFamily="2" charset="0"/>
-              </a:rPr>
-              <a:t>(</a:t>
-            </a:r>
-            <a:r>
-              <a:rPr lang="en-US" sz="1600" dirty="0" err="1">
-                <a:latin typeface="Avenir Book" panose="02000503020000020003" pitchFamily="2" charset="0"/>
-              </a:rPr>
-              <a:t>names_from</a:t>
-            </a:r>
-            <a:r>
-              <a:rPr lang="en-US" sz="1600" dirty="0">
-                <a:latin typeface="Avenir Book" panose="02000503020000020003" pitchFamily="2" charset="0"/>
-              </a:rPr>
-              <a:t> = type, </a:t>
-            </a:r>
-            <a:r>
-              <a:rPr lang="en-US" sz="1600" dirty="0" err="1">
-                <a:latin typeface="Avenir Book" panose="02000503020000020003" pitchFamily="2" charset="0"/>
-              </a:rPr>
-              <a:t>values_from</a:t>
-            </a:r>
-            <a:r>
-              <a:rPr lang="en-US" sz="1600" dirty="0">
-                <a:latin typeface="Avenir Book" panose="02000503020000020003" pitchFamily="2" charset="0"/>
-              </a:rPr>
-              <a:t> = count)</a:t>
-            </a:r>
-          </a:p>
-        </p:txBody>
-      </p:sp>
-      <p:pic>
-        <p:nvPicPr>
-          <p:cNvPr id="2050" name="Picture 2" descr="Pivoting `table2` into a &quot;wider&quot;, tidy form.">
-            <a:extLst>
-              <a:ext uri="{FF2B5EF4-FFF2-40B4-BE49-F238E27FC236}">
-                <a16:creationId xmlns:a16="http://schemas.microsoft.com/office/drawing/2014/main" id="{EE2D9176-B55D-354F-A29F-CB6F13FCDC62}"/>
-              </a:ext>
-            </a:extLst>
-          </p:cNvPr>
-          <p:cNvPicPr>
-            <a:picLocks noChangeAspect="1" noChangeArrowheads="1"/>
-          </p:cNvPicPr>
-          <p:nvPr/>
-        </p:nvPicPr>
-        <p:blipFill>
-          <a:blip r:embed="rId2">
-            <a:extLst>
-              <a:ext uri="{28A0092B-C50C-407E-A947-70E740481C1C}">
-                <a14:useLocalDpi xmlns:a14="http://schemas.microsoft.com/office/drawing/2010/main" val="0"/>
-              </a:ext>
-            </a:extLst>
-          </a:blip>
-          <a:srcRect/>
-          <a:stretch>
-            <a:fillRect/>
-          </a:stretch>
-        </p:blipFill>
-        <p:spPr bwMode="auto">
-          <a:xfrm>
-            <a:off x="2972200" y="2256591"/>
-            <a:ext cx="5714600" cy="2672766"/>
-          </a:xfrm>
-          <a:prstGeom prst="rect">
-            <a:avLst/>
-          </a:prstGeom>
-          <a:noFill/>
-          <a:extLst>
-            <a:ext uri="{909E8E84-426E-40DD-AFC4-6F175D3DCCD1}">
-              <a14:hiddenFill xmlns:a14="http://schemas.microsoft.com/office/drawing/2010/main">
-                <a:solidFill>
-                  <a:srgbClr val="FFFFFF"/>
-                </a:solidFill>
-              </a14:hiddenFill>
-            </a:ext>
-          </a:extLst>
-        </p:spPr>
-      </p:pic>
-    </p:spTree>
-    <p:extLst>
-      <p:ext uri="{BB962C8B-B14F-4D97-AF65-F5344CB8AC3E}">
-        <p14:creationId xmlns:p14="http://schemas.microsoft.com/office/powerpoint/2010/main" val="1023768401"/>
-      </p:ext>
-    </p:extLst>
-  </p:cSld>
-  <p:clrMapOvr>
-    <a:masterClrMapping/>
-  </p:clrMapOvr>
-</p:sld>
-</file>
-
-<file path=ppt/slides/slide8.xml><?xml version="1.0" encoding="utf-8"?>
-<p:sld xmlns:a="http://schemas.openxmlformats.org/drawingml/2006/main" xmlns:r="http://schemas.openxmlformats.org/officeDocument/2006/relationships" xmlns:p="http://schemas.openxmlformats.org/presentationml/2006/main">
-  <p:cSld>
-    <p:spTree>
-      <p:nvGrpSpPr>
-        <p:cNvPr id="1" name=""/>
-        <p:cNvGrpSpPr/>
-        <p:nvPr/>
-      </p:nvGrpSpPr>
-      <p:grpSpPr>
-        <a:xfrm>
-          <a:off x="0" y="0"/>
-          <a:ext cx="0" cy="0"/>
-          <a:chOff x="0" y="0"/>
-          <a:chExt cx="0" cy="0"/>
-        </a:xfrm>
-      </p:grpSpPr>
-      <p:sp>
-        <p:nvSpPr>
-          <p:cNvPr id="2" name="Title 1">
-            <a:extLst>
-              <a:ext uri="{FF2B5EF4-FFF2-40B4-BE49-F238E27FC236}">
-                <a16:creationId xmlns:a16="http://schemas.microsoft.com/office/drawing/2014/main" id="{8AFDD491-0015-C04A-B78B-04AB3ACB2BE1}"/>
-              </a:ext>
-            </a:extLst>
-          </p:cNvPr>
-          <p:cNvSpPr>
-            <a:spLocks noGrp="1"/>
-          </p:cNvSpPr>
-          <p:nvPr>
-            <p:ph type="title"/>
-          </p:nvPr>
-        </p:nvSpPr>
-        <p:spPr/>
-        <p:txBody>
-          <a:bodyPr/>
-          <a:lstStyle/>
-          <a:p>
-            <a:pPr algn="l"/>
-            <a:r>
-              <a:rPr lang="en-US" dirty="0"/>
-              <a:t>separate()</a:t>
-            </a:r>
-          </a:p>
-        </p:txBody>
-      </p:sp>
-      <p:sp>
-        <p:nvSpPr>
-          <p:cNvPr id="8" name="TextBox 7">
-            <a:extLst>
-              <a:ext uri="{FF2B5EF4-FFF2-40B4-BE49-F238E27FC236}">
-                <a16:creationId xmlns:a16="http://schemas.microsoft.com/office/drawing/2014/main" id="{61923A5B-6188-2340-AF2E-D33BB6C039F8}"/>
-              </a:ext>
-            </a:extLst>
-          </p:cNvPr>
-          <p:cNvSpPr txBox="1"/>
-          <p:nvPr/>
-        </p:nvSpPr>
-        <p:spPr>
-          <a:xfrm>
-            <a:off x="537410" y="1305075"/>
-            <a:ext cx="7234989" cy="584775"/>
-          </a:xfrm>
-          <a:prstGeom prst="rect">
-            <a:avLst/>
-          </a:prstGeom>
-          <a:noFill/>
-        </p:spPr>
-        <p:txBody>
-          <a:bodyPr wrap="square">
-            <a:spAutoFit/>
-          </a:bodyPr>
-          <a:lstStyle/>
-          <a:p>
-            <a:r>
-              <a:rPr lang="en-US" sz="1600" dirty="0">
-                <a:latin typeface="Avenir Book" panose="02000503020000020003" pitchFamily="2" charset="0"/>
-              </a:rPr>
-              <a:t>table3 %&gt;% </a:t>
-            </a:r>
-          </a:p>
-          <a:p>
-            <a:r>
-              <a:rPr lang="en-US" sz="1600" dirty="0">
-                <a:latin typeface="Avenir Book" panose="02000503020000020003" pitchFamily="2" charset="0"/>
-              </a:rPr>
-              <a:t>  separate(rate, into = c("cases", "population"))</a:t>
-            </a:r>
-          </a:p>
-        </p:txBody>
-      </p:sp>
-      <p:pic>
-        <p:nvPicPr>
-          <p:cNvPr id="2050" name="Picture 2" descr="Pivoting `table2` into a &quot;wider&quot;, tidy form.">
-            <a:extLst>
-              <a:ext uri="{FF2B5EF4-FFF2-40B4-BE49-F238E27FC236}">
-                <a16:creationId xmlns:a16="http://schemas.microsoft.com/office/drawing/2014/main" id="{EE2D9176-B55D-354F-A29F-CB6F13FCDC62}"/>
-              </a:ext>
-            </a:extLst>
-          </p:cNvPr>
-          <p:cNvPicPr>
-            <a:picLocks noChangeAspect="1" noChangeArrowheads="1"/>
-          </p:cNvPicPr>
-          <p:nvPr/>
-        </p:nvPicPr>
-        <p:blipFill>
-          <a:blip r:embed="rId2">
-            <a:extLst>
-              <a:ext uri="{28A0092B-C50C-407E-A947-70E740481C1C}">
-                <a14:useLocalDpi xmlns:a14="http://schemas.microsoft.com/office/drawing/2010/main" val="0"/>
-              </a:ext>
-            </a:extLst>
-          </a:blip>
-          <a:srcRect/>
-          <a:stretch>
-            <a:fillRect/>
-          </a:stretch>
-        </p:blipFill>
-        <p:spPr bwMode="auto">
-          <a:xfrm>
-            <a:off x="2972200" y="2256591"/>
-            <a:ext cx="5714600" cy="2672766"/>
-          </a:xfrm>
-          <a:prstGeom prst="rect">
-            <a:avLst/>
-          </a:prstGeom>
-          <a:noFill/>
-          <a:extLst>
-            <a:ext uri="{909E8E84-426E-40DD-AFC4-6F175D3DCCD1}">
-              <a14:hiddenFill xmlns:a14="http://schemas.microsoft.com/office/drawing/2010/main">
-                <a:solidFill>
-                  <a:srgbClr val="FFFFFF"/>
-                </a:solidFill>
-              </a14:hiddenFill>
-            </a:ext>
-          </a:extLst>
-        </p:spPr>
-      </p:pic>
-      <p:sp>
-        <p:nvSpPr>
-          <p:cNvPr id="6" name="TextBox 5">
-            <a:extLst>
-              <a:ext uri="{FF2B5EF4-FFF2-40B4-BE49-F238E27FC236}">
-                <a16:creationId xmlns:a16="http://schemas.microsoft.com/office/drawing/2014/main" id="{29E7B483-7B20-6241-A56E-6FC21845E66C}"/>
-              </a:ext>
-            </a:extLst>
-          </p:cNvPr>
-          <p:cNvSpPr txBox="1"/>
-          <p:nvPr/>
-        </p:nvSpPr>
-        <p:spPr>
-          <a:xfrm>
-            <a:off x="537410" y="3085142"/>
-            <a:ext cx="2434790" cy="1015663"/>
-          </a:xfrm>
-          <a:prstGeom prst="rect">
-            <a:avLst/>
-          </a:prstGeom>
-          <a:noFill/>
-        </p:spPr>
-        <p:txBody>
-          <a:bodyPr wrap="square">
-            <a:spAutoFit/>
-          </a:bodyPr>
-          <a:lstStyle/>
-          <a:p>
-            <a:r>
-              <a:rPr lang="en-US" sz="1200" b="0" i="0" dirty="0">
-                <a:solidFill>
-                  <a:srgbClr val="212529"/>
-                </a:solidFill>
-                <a:effectLst/>
-                <a:latin typeface="Avenir Book" panose="02000503020000020003" pitchFamily="2" charset="0"/>
-              </a:rPr>
-              <a:t>By default, </a:t>
-            </a:r>
-            <a:r>
-              <a:rPr lang="en-US" sz="1200" dirty="0">
-                <a:latin typeface="Avenir Book" panose="02000503020000020003" pitchFamily="2" charset="0"/>
-              </a:rPr>
-              <a:t>separate()</a:t>
-            </a:r>
-            <a:r>
-              <a:rPr lang="en-US" sz="1200" b="0" i="0" dirty="0">
-                <a:solidFill>
-                  <a:srgbClr val="212529"/>
-                </a:solidFill>
-                <a:effectLst/>
-                <a:latin typeface="Avenir Book" panose="02000503020000020003" pitchFamily="2" charset="0"/>
-              </a:rPr>
-              <a:t> will split values wherever it sees a non-alphanumeric character (i.e. a character that isn’t a number or letter)</a:t>
-            </a:r>
-            <a:endParaRPr lang="en-US" sz="1200" dirty="0">
-              <a:latin typeface="Avenir Book" panose="02000503020000020003" pitchFamily="2" charset="0"/>
-            </a:endParaRPr>
-          </a:p>
-        </p:txBody>
-      </p:sp>
-    </p:spTree>
-    <p:extLst>
-      <p:ext uri="{BB962C8B-B14F-4D97-AF65-F5344CB8AC3E}">
-        <p14:creationId xmlns:p14="http://schemas.microsoft.com/office/powerpoint/2010/main" val="630032765"/>
-      </p:ext>
-    </p:extLst>
-  </p:cSld>
-  <p:clrMapOvr>
-    <a:masterClrMapping/>
-  </p:clrMapOvr>
-</p:sld>
-</file>
-
-<file path=ppt/slides/slide9.xml><?xml version="1.0" encoding="utf-8"?>
-<p:sld xmlns:a="http://schemas.openxmlformats.org/drawingml/2006/main" xmlns:r="http://schemas.openxmlformats.org/officeDocument/2006/relationships" xmlns:p="http://schemas.openxmlformats.org/presentationml/2006/main">
-  <p:cSld>
-    <p:spTree>
-      <p:nvGrpSpPr>
-        <p:cNvPr id="1" name=""/>
-        <p:cNvGrpSpPr/>
-        <p:nvPr/>
-      </p:nvGrpSpPr>
-      <p:grpSpPr>
-        <a:xfrm>
-          <a:off x="0" y="0"/>
-          <a:ext cx="0" cy="0"/>
-          <a:chOff x="0" y="0"/>
-          <a:chExt cx="0" cy="0"/>
-        </a:xfrm>
-      </p:grpSpPr>
-      <p:sp>
-        <p:nvSpPr>
-          <p:cNvPr id="2" name="Title 1">
-            <a:extLst>
-              <a:ext uri="{FF2B5EF4-FFF2-40B4-BE49-F238E27FC236}">
-                <a16:creationId xmlns:a16="http://schemas.microsoft.com/office/drawing/2014/main" id="{AC37DB7B-F69F-FB43-97BA-FB98F6905E8C}"/>
-              </a:ext>
-            </a:extLst>
-          </p:cNvPr>
-          <p:cNvSpPr>
-            <a:spLocks noGrp="1"/>
-          </p:cNvSpPr>
-          <p:nvPr>
-            <p:ph type="title"/>
-          </p:nvPr>
-        </p:nvSpPr>
-        <p:spPr/>
-        <p:txBody>
-          <a:bodyPr/>
-          <a:lstStyle/>
-          <a:p>
-            <a:pPr algn="l"/>
-            <a:r>
-              <a:rPr lang="en-US" dirty="0"/>
-              <a:t>Exercise – LOTR data</a:t>
-            </a:r>
-          </a:p>
-        </p:txBody>
-      </p:sp>
-      <p:sp>
-        <p:nvSpPr>
-          <p:cNvPr id="3" name="Content Placeholder 2">
-            <a:extLst>
-              <a:ext uri="{FF2B5EF4-FFF2-40B4-BE49-F238E27FC236}">
-                <a16:creationId xmlns:a16="http://schemas.microsoft.com/office/drawing/2014/main" id="{22A9FF0B-7B30-694D-8952-751C83952364}"/>
-              </a:ext>
-            </a:extLst>
-          </p:cNvPr>
-          <p:cNvSpPr>
-            <a:spLocks noGrp="1"/>
-          </p:cNvSpPr>
-          <p:nvPr>
-            <p:ph idx="1"/>
-          </p:nvPr>
-        </p:nvSpPr>
-        <p:spPr>
-          <a:xfrm>
-            <a:off x="457200" y="1543049"/>
-            <a:ext cx="8229600" cy="3394472"/>
-          </a:xfrm>
-        </p:spPr>
-        <p:txBody>
-          <a:bodyPr>
-            <a:normAutofit/>
-          </a:bodyPr>
-          <a:lstStyle/>
-          <a:p>
-            <a:pPr marL="457200" indent="-457200">
-              <a:buFont typeface="+mj-lt"/>
-              <a:buAutoNum type="arabicPeriod"/>
-            </a:pPr>
-            <a:r>
-              <a:rPr lang="en-US" sz="2200" dirty="0"/>
-              <a:t>After tidying the data and completing your analysis, you may want to output a table that has each race in its own column. Let’s use the </a:t>
-            </a:r>
-            <a:r>
-              <a:rPr lang="en-US" sz="2200" dirty="0" err="1"/>
-              <a:t>pivot_wider</a:t>
-            </a:r>
-            <a:r>
-              <a:rPr lang="en-US" sz="2200" dirty="0"/>
-              <a:t>() function to make such a table and save it as “</a:t>
-            </a:r>
-            <a:r>
-              <a:rPr lang="en-US" sz="2200" dirty="0" err="1"/>
-              <a:t>lotr_wide</a:t>
-            </a:r>
-            <a:r>
-              <a:rPr lang="en-US" sz="2200" dirty="0"/>
-              <a:t>”</a:t>
-            </a:r>
-            <a:br>
-              <a:rPr lang="en-US" sz="2200" dirty="0"/>
-            </a:br>
-            <a:endParaRPr lang="en-US" sz="2200" dirty="0"/>
-          </a:p>
-          <a:p>
-            <a:pPr marL="457200" indent="-457200">
-              <a:buFont typeface="+mj-lt"/>
-              <a:buAutoNum type="arabicPeriod"/>
-            </a:pPr>
-            <a:r>
-              <a:rPr lang="en-US" sz="2200" dirty="0"/>
-              <a:t>OPTIONAL: Use the </a:t>
-            </a:r>
-            <a:r>
-              <a:rPr lang="en-US" sz="2200" dirty="0" err="1"/>
-              <a:t>pivot_longer</a:t>
-            </a:r>
-            <a:r>
-              <a:rPr lang="en-US" sz="2200" dirty="0"/>
-              <a:t>() function to transform you </a:t>
-            </a:r>
-            <a:r>
-              <a:rPr lang="en-US" sz="2200" dirty="0" err="1"/>
-              <a:t>lotr_wide</a:t>
-            </a:r>
-            <a:r>
-              <a:rPr lang="en-US" sz="2200" dirty="0"/>
-              <a:t> back to tidy format.</a:t>
-            </a:r>
-          </a:p>
-          <a:p>
-            <a:pPr marL="0" indent="0">
-              <a:buNone/>
-            </a:pPr>
-            <a:br>
-              <a:rPr lang="en-US" sz="2200" dirty="0"/>
-            </a:br>
-            <a:endParaRPr lang="en-US" sz="2200" dirty="0"/>
-          </a:p>
-          <a:p>
-            <a:endParaRPr lang="en-US" sz="2200" dirty="0"/>
-          </a:p>
-        </p:txBody>
-      </p:sp>
-    </p:spTree>
-    <p:extLst>
-      <p:ext uri="{BB962C8B-B14F-4D97-AF65-F5344CB8AC3E}">
-        <p14:creationId xmlns:p14="http://schemas.microsoft.com/office/powerpoint/2010/main" val="1014736989"/>
       </p:ext>
     </p:extLst>
   </p:cSld>
